--- a/Paper/Planning/concepts_parameters.pptx
+++ b/Paper/Planning/concepts_parameters.pptx
@@ -104,6 +104,11 @@
       </a:defRPr>
     </a:lvl9pPr>
   </p:defaultTextStyle>
+  <p:extLst>
+    <p:ext uri="{EFAFB233-063F-42B5-8137-9DF3F51BA10A}">
+      <p15:sldGuideLst xmlns:p15="http://schemas.microsoft.com/office/powerpoint/2012/main"/>
+    </p:ext>
+  </p:extLst>
 </p:presentation>
 </file>
 
@@ -149,7 +154,7 @@
           </a:lstStyle>
           <a:p>
             <a:r>
-              <a:rPr lang="en-US" smtClean="0"/>
+              <a:rPr lang="en-US"/>
               <a:t>Click to edit Master title style</a:t>
             </a:r>
             <a:endParaRPr lang="en-AU"/>
@@ -214,7 +219,7 @@
           </a:lstStyle>
           <a:p>
             <a:r>
-              <a:rPr lang="en-US" smtClean="0"/>
+              <a:rPr lang="en-US"/>
               <a:t>Click to edit Master subtitle style</a:t>
             </a:r>
             <a:endParaRPr lang="en-AU"/>
@@ -238,7 +243,7 @@
           <a:p>
             <a:fld id="{DF04AD52-4F98-461D-981D-3893757DA7F0}" type="datetimeFigureOut">
               <a:rPr lang="en-AU" smtClean="0"/>
-              <a:t>23/02/2021</a:t>
+              <a:t>1/03/2021</a:t>
             </a:fld>
             <a:endParaRPr lang="en-AU"/>
           </a:p>
@@ -332,7 +337,7 @@
           <a:lstStyle/>
           <a:p>
             <a:r>
-              <a:rPr lang="en-US" smtClean="0"/>
+              <a:rPr lang="en-US"/>
               <a:t>Click to edit Master title style</a:t>
             </a:r>
             <a:endParaRPr lang="en-AU"/>
@@ -356,35 +361,35 @@
           <a:p>
             <a:pPr lvl="0"/>
             <a:r>
-              <a:rPr lang="en-US" smtClean="0"/>
+              <a:rPr lang="en-US"/>
               <a:t>Click to edit Master text styles</a:t>
             </a:r>
           </a:p>
           <a:p>
             <a:pPr lvl="1"/>
             <a:r>
-              <a:rPr lang="en-US" smtClean="0"/>
+              <a:rPr lang="en-US"/>
               <a:t>Second level</a:t>
             </a:r>
           </a:p>
           <a:p>
             <a:pPr lvl="2"/>
             <a:r>
-              <a:rPr lang="en-US" smtClean="0"/>
+              <a:rPr lang="en-US"/>
               <a:t>Third level</a:t>
             </a:r>
           </a:p>
           <a:p>
             <a:pPr lvl="3"/>
             <a:r>
-              <a:rPr lang="en-US" smtClean="0"/>
+              <a:rPr lang="en-US"/>
               <a:t>Fourth level</a:t>
             </a:r>
           </a:p>
           <a:p>
             <a:pPr lvl="4"/>
             <a:r>
-              <a:rPr lang="en-US" smtClean="0"/>
+              <a:rPr lang="en-US"/>
               <a:t>Fifth level</a:t>
             </a:r>
             <a:endParaRPr lang="en-AU"/>
@@ -408,7 +413,7 @@
           <a:p>
             <a:fld id="{DF04AD52-4F98-461D-981D-3893757DA7F0}" type="datetimeFigureOut">
               <a:rPr lang="en-AU" smtClean="0"/>
-              <a:t>23/02/2021</a:t>
+              <a:t>1/03/2021</a:t>
             </a:fld>
             <a:endParaRPr lang="en-AU"/>
           </a:p>
@@ -507,7 +512,7 @@
           <a:lstStyle/>
           <a:p>
             <a:r>
-              <a:rPr lang="en-US" smtClean="0"/>
+              <a:rPr lang="en-US"/>
               <a:t>Click to edit Master title style</a:t>
             </a:r>
             <a:endParaRPr lang="en-AU"/>
@@ -536,35 +541,35 @@
           <a:p>
             <a:pPr lvl="0"/>
             <a:r>
-              <a:rPr lang="en-US" smtClean="0"/>
+              <a:rPr lang="en-US"/>
               <a:t>Click to edit Master text styles</a:t>
             </a:r>
           </a:p>
           <a:p>
             <a:pPr lvl="1"/>
             <a:r>
-              <a:rPr lang="en-US" smtClean="0"/>
+              <a:rPr lang="en-US"/>
               <a:t>Second level</a:t>
             </a:r>
           </a:p>
           <a:p>
             <a:pPr lvl="2"/>
             <a:r>
-              <a:rPr lang="en-US" smtClean="0"/>
+              <a:rPr lang="en-US"/>
               <a:t>Third level</a:t>
             </a:r>
           </a:p>
           <a:p>
             <a:pPr lvl="3"/>
             <a:r>
-              <a:rPr lang="en-US" smtClean="0"/>
+              <a:rPr lang="en-US"/>
               <a:t>Fourth level</a:t>
             </a:r>
           </a:p>
           <a:p>
             <a:pPr lvl="4"/>
             <a:r>
-              <a:rPr lang="en-US" smtClean="0"/>
+              <a:rPr lang="en-US"/>
               <a:t>Fifth level</a:t>
             </a:r>
             <a:endParaRPr lang="en-AU"/>
@@ -588,7 +593,7 @@
           <a:p>
             <a:fld id="{DF04AD52-4F98-461D-981D-3893757DA7F0}" type="datetimeFigureOut">
               <a:rPr lang="en-AU" smtClean="0"/>
-              <a:t>23/02/2021</a:t>
+              <a:t>1/03/2021</a:t>
             </a:fld>
             <a:endParaRPr lang="en-AU"/>
           </a:p>
@@ -682,7 +687,7 @@
           <a:lstStyle/>
           <a:p>
             <a:r>
-              <a:rPr lang="en-US" smtClean="0"/>
+              <a:rPr lang="en-US"/>
               <a:t>Click to edit Master title style</a:t>
             </a:r>
             <a:endParaRPr lang="en-AU"/>
@@ -706,35 +711,35 @@
           <a:p>
             <a:pPr lvl="0"/>
             <a:r>
-              <a:rPr lang="en-US" smtClean="0"/>
+              <a:rPr lang="en-US"/>
               <a:t>Click to edit Master text styles</a:t>
             </a:r>
           </a:p>
           <a:p>
             <a:pPr lvl="1"/>
             <a:r>
-              <a:rPr lang="en-US" smtClean="0"/>
+              <a:rPr lang="en-US"/>
               <a:t>Second level</a:t>
             </a:r>
           </a:p>
           <a:p>
             <a:pPr lvl="2"/>
             <a:r>
-              <a:rPr lang="en-US" smtClean="0"/>
+              <a:rPr lang="en-US"/>
               <a:t>Third level</a:t>
             </a:r>
           </a:p>
           <a:p>
             <a:pPr lvl="3"/>
             <a:r>
-              <a:rPr lang="en-US" smtClean="0"/>
+              <a:rPr lang="en-US"/>
               <a:t>Fourth level</a:t>
             </a:r>
           </a:p>
           <a:p>
             <a:pPr lvl="4"/>
             <a:r>
-              <a:rPr lang="en-US" smtClean="0"/>
+              <a:rPr lang="en-US"/>
               <a:t>Fifth level</a:t>
             </a:r>
             <a:endParaRPr lang="en-AU"/>
@@ -758,7 +763,7 @@
           <a:p>
             <a:fld id="{DF04AD52-4F98-461D-981D-3893757DA7F0}" type="datetimeFigureOut">
               <a:rPr lang="en-AU" smtClean="0"/>
-              <a:t>23/02/2021</a:t>
+              <a:t>1/03/2021</a:t>
             </a:fld>
             <a:endParaRPr lang="en-AU"/>
           </a:p>
@@ -861,7 +866,7 @@
           </a:lstStyle>
           <a:p>
             <a:r>
-              <a:rPr lang="en-US" smtClean="0"/>
+              <a:rPr lang="en-US"/>
               <a:t>Click to edit Master title style</a:t>
             </a:r>
             <a:endParaRPr lang="en-AU"/>
@@ -981,7 +986,7 @@
           <a:p>
             <a:pPr lvl="0"/>
             <a:r>
-              <a:rPr lang="en-US" smtClean="0"/>
+              <a:rPr lang="en-US"/>
               <a:t>Click to edit Master text styles</a:t>
             </a:r>
           </a:p>
@@ -1004,7 +1009,7 @@
           <a:p>
             <a:fld id="{DF04AD52-4F98-461D-981D-3893757DA7F0}" type="datetimeFigureOut">
               <a:rPr lang="en-AU" smtClean="0"/>
-              <a:t>23/02/2021</a:t>
+              <a:t>1/03/2021</a:t>
             </a:fld>
             <a:endParaRPr lang="en-AU"/>
           </a:p>
@@ -1098,7 +1103,7 @@
           <a:lstStyle/>
           <a:p>
             <a:r>
-              <a:rPr lang="en-US" smtClean="0"/>
+              <a:rPr lang="en-US"/>
               <a:t>Click to edit Master title style</a:t>
             </a:r>
             <a:endParaRPr lang="en-AU"/>
@@ -1127,35 +1132,35 @@
           <a:p>
             <a:pPr lvl="0"/>
             <a:r>
-              <a:rPr lang="en-US" smtClean="0"/>
+              <a:rPr lang="en-US"/>
               <a:t>Click to edit Master text styles</a:t>
             </a:r>
           </a:p>
           <a:p>
             <a:pPr lvl="1"/>
             <a:r>
-              <a:rPr lang="en-US" smtClean="0"/>
+              <a:rPr lang="en-US"/>
               <a:t>Second level</a:t>
             </a:r>
           </a:p>
           <a:p>
             <a:pPr lvl="2"/>
             <a:r>
-              <a:rPr lang="en-US" smtClean="0"/>
+              <a:rPr lang="en-US"/>
               <a:t>Third level</a:t>
             </a:r>
           </a:p>
           <a:p>
             <a:pPr lvl="3"/>
             <a:r>
-              <a:rPr lang="en-US" smtClean="0"/>
+              <a:rPr lang="en-US"/>
               <a:t>Fourth level</a:t>
             </a:r>
           </a:p>
           <a:p>
             <a:pPr lvl="4"/>
             <a:r>
-              <a:rPr lang="en-US" smtClean="0"/>
+              <a:rPr lang="en-US"/>
               <a:t>Fifth level</a:t>
             </a:r>
             <a:endParaRPr lang="en-AU"/>
@@ -1184,35 +1189,35 @@
           <a:p>
             <a:pPr lvl="0"/>
             <a:r>
-              <a:rPr lang="en-US" smtClean="0"/>
+              <a:rPr lang="en-US"/>
               <a:t>Click to edit Master text styles</a:t>
             </a:r>
           </a:p>
           <a:p>
             <a:pPr lvl="1"/>
             <a:r>
-              <a:rPr lang="en-US" smtClean="0"/>
+              <a:rPr lang="en-US"/>
               <a:t>Second level</a:t>
             </a:r>
           </a:p>
           <a:p>
             <a:pPr lvl="2"/>
             <a:r>
-              <a:rPr lang="en-US" smtClean="0"/>
+              <a:rPr lang="en-US"/>
               <a:t>Third level</a:t>
             </a:r>
           </a:p>
           <a:p>
             <a:pPr lvl="3"/>
             <a:r>
-              <a:rPr lang="en-US" smtClean="0"/>
+              <a:rPr lang="en-US"/>
               <a:t>Fourth level</a:t>
             </a:r>
           </a:p>
           <a:p>
             <a:pPr lvl="4"/>
             <a:r>
-              <a:rPr lang="en-US" smtClean="0"/>
+              <a:rPr lang="en-US"/>
               <a:t>Fifth level</a:t>
             </a:r>
             <a:endParaRPr lang="en-AU"/>
@@ -1236,7 +1241,7 @@
           <a:p>
             <a:fld id="{DF04AD52-4F98-461D-981D-3893757DA7F0}" type="datetimeFigureOut">
               <a:rPr lang="en-AU" smtClean="0"/>
-              <a:t>23/02/2021</a:t>
+              <a:t>1/03/2021</a:t>
             </a:fld>
             <a:endParaRPr lang="en-AU"/>
           </a:p>
@@ -1335,7 +1340,7 @@
           <a:lstStyle/>
           <a:p>
             <a:r>
-              <a:rPr lang="en-US" smtClean="0"/>
+              <a:rPr lang="en-US"/>
               <a:t>Click to edit Master title style</a:t>
             </a:r>
             <a:endParaRPr lang="en-AU"/>
@@ -1401,7 +1406,7 @@
           <a:p>
             <a:pPr lvl="0"/>
             <a:r>
-              <a:rPr lang="en-US" smtClean="0"/>
+              <a:rPr lang="en-US"/>
               <a:t>Click to edit Master text styles</a:t>
             </a:r>
           </a:p>
@@ -1429,35 +1434,35 @@
           <a:p>
             <a:pPr lvl="0"/>
             <a:r>
-              <a:rPr lang="en-US" smtClean="0"/>
+              <a:rPr lang="en-US"/>
               <a:t>Click to edit Master text styles</a:t>
             </a:r>
           </a:p>
           <a:p>
             <a:pPr lvl="1"/>
             <a:r>
-              <a:rPr lang="en-US" smtClean="0"/>
+              <a:rPr lang="en-US"/>
               <a:t>Second level</a:t>
             </a:r>
           </a:p>
           <a:p>
             <a:pPr lvl="2"/>
             <a:r>
-              <a:rPr lang="en-US" smtClean="0"/>
+              <a:rPr lang="en-US"/>
               <a:t>Third level</a:t>
             </a:r>
           </a:p>
           <a:p>
             <a:pPr lvl="3"/>
             <a:r>
-              <a:rPr lang="en-US" smtClean="0"/>
+              <a:rPr lang="en-US"/>
               <a:t>Fourth level</a:t>
             </a:r>
           </a:p>
           <a:p>
             <a:pPr lvl="4"/>
             <a:r>
-              <a:rPr lang="en-US" smtClean="0"/>
+              <a:rPr lang="en-US"/>
               <a:t>Fifth level</a:t>
             </a:r>
             <a:endParaRPr lang="en-AU"/>
@@ -1523,7 +1528,7 @@
           <a:p>
             <a:pPr lvl="0"/>
             <a:r>
-              <a:rPr lang="en-US" smtClean="0"/>
+              <a:rPr lang="en-US"/>
               <a:t>Click to edit Master text styles</a:t>
             </a:r>
           </a:p>
@@ -1551,35 +1556,35 @@
           <a:p>
             <a:pPr lvl="0"/>
             <a:r>
-              <a:rPr lang="en-US" smtClean="0"/>
+              <a:rPr lang="en-US"/>
               <a:t>Click to edit Master text styles</a:t>
             </a:r>
           </a:p>
           <a:p>
             <a:pPr lvl="1"/>
             <a:r>
-              <a:rPr lang="en-US" smtClean="0"/>
+              <a:rPr lang="en-US"/>
               <a:t>Second level</a:t>
             </a:r>
           </a:p>
           <a:p>
             <a:pPr lvl="2"/>
             <a:r>
-              <a:rPr lang="en-US" smtClean="0"/>
+              <a:rPr lang="en-US"/>
               <a:t>Third level</a:t>
             </a:r>
           </a:p>
           <a:p>
             <a:pPr lvl="3"/>
             <a:r>
-              <a:rPr lang="en-US" smtClean="0"/>
+              <a:rPr lang="en-US"/>
               <a:t>Fourth level</a:t>
             </a:r>
           </a:p>
           <a:p>
             <a:pPr lvl="4"/>
             <a:r>
-              <a:rPr lang="en-US" smtClean="0"/>
+              <a:rPr lang="en-US"/>
               <a:t>Fifth level</a:t>
             </a:r>
             <a:endParaRPr lang="en-AU"/>
@@ -1603,7 +1608,7 @@
           <a:p>
             <a:fld id="{DF04AD52-4F98-461D-981D-3893757DA7F0}" type="datetimeFigureOut">
               <a:rPr lang="en-AU" smtClean="0"/>
-              <a:t>23/02/2021</a:t>
+              <a:t>1/03/2021</a:t>
             </a:fld>
             <a:endParaRPr lang="en-AU"/>
           </a:p>
@@ -1697,7 +1702,7 @@
           <a:lstStyle/>
           <a:p>
             <a:r>
-              <a:rPr lang="en-US" smtClean="0"/>
+              <a:rPr lang="en-US"/>
               <a:t>Click to edit Master title style</a:t>
             </a:r>
             <a:endParaRPr lang="en-AU"/>
@@ -1721,7 +1726,7 @@
           <a:p>
             <a:fld id="{DF04AD52-4F98-461D-981D-3893757DA7F0}" type="datetimeFigureOut">
               <a:rPr lang="en-AU" smtClean="0"/>
-              <a:t>23/02/2021</a:t>
+              <a:t>1/03/2021</a:t>
             </a:fld>
             <a:endParaRPr lang="en-AU"/>
           </a:p>
@@ -1816,7 +1821,7 @@
           <a:p>
             <a:fld id="{DF04AD52-4F98-461D-981D-3893757DA7F0}" type="datetimeFigureOut">
               <a:rPr lang="en-AU" smtClean="0"/>
-              <a:t>23/02/2021</a:t>
+              <a:t>1/03/2021</a:t>
             </a:fld>
             <a:endParaRPr lang="en-AU"/>
           </a:p>
@@ -1919,7 +1924,7 @@
           </a:lstStyle>
           <a:p>
             <a:r>
-              <a:rPr lang="en-US" smtClean="0"/>
+              <a:rPr lang="en-US"/>
               <a:t>Click to edit Master title style</a:t>
             </a:r>
             <a:endParaRPr lang="en-AU"/>
@@ -1976,35 +1981,35 @@
           <a:p>
             <a:pPr lvl="0"/>
             <a:r>
-              <a:rPr lang="en-US" smtClean="0"/>
+              <a:rPr lang="en-US"/>
               <a:t>Click to edit Master text styles</a:t>
             </a:r>
           </a:p>
           <a:p>
             <a:pPr lvl="1"/>
             <a:r>
-              <a:rPr lang="en-US" smtClean="0"/>
+              <a:rPr lang="en-US"/>
               <a:t>Second level</a:t>
             </a:r>
           </a:p>
           <a:p>
             <a:pPr lvl="2"/>
             <a:r>
-              <a:rPr lang="en-US" smtClean="0"/>
+              <a:rPr lang="en-US"/>
               <a:t>Third level</a:t>
             </a:r>
           </a:p>
           <a:p>
             <a:pPr lvl="3"/>
             <a:r>
-              <a:rPr lang="en-US" smtClean="0"/>
+              <a:rPr lang="en-US"/>
               <a:t>Fourth level</a:t>
             </a:r>
           </a:p>
           <a:p>
             <a:pPr lvl="4"/>
             <a:r>
-              <a:rPr lang="en-US" smtClean="0"/>
+              <a:rPr lang="en-US"/>
               <a:t>Fifth level</a:t>
             </a:r>
             <a:endParaRPr lang="en-AU"/>
@@ -2070,7 +2075,7 @@
           <a:p>
             <a:pPr lvl="0"/>
             <a:r>
-              <a:rPr lang="en-US" smtClean="0"/>
+              <a:rPr lang="en-US"/>
               <a:t>Click to edit Master text styles</a:t>
             </a:r>
           </a:p>
@@ -2093,7 +2098,7 @@
           <a:p>
             <a:fld id="{DF04AD52-4F98-461D-981D-3893757DA7F0}" type="datetimeFigureOut">
               <a:rPr lang="en-AU" smtClean="0"/>
-              <a:t>23/02/2021</a:t>
+              <a:t>1/03/2021</a:t>
             </a:fld>
             <a:endParaRPr lang="en-AU"/>
           </a:p>
@@ -2196,7 +2201,7 @@
           </a:lstStyle>
           <a:p>
             <a:r>
-              <a:rPr lang="en-US" smtClean="0"/>
+              <a:rPr lang="en-US"/>
               <a:t>Click to edit Master title style</a:t>
             </a:r>
             <a:endParaRPr lang="en-AU"/>
@@ -2323,7 +2328,7 @@
           <a:p>
             <a:pPr lvl="0"/>
             <a:r>
-              <a:rPr lang="en-US" smtClean="0"/>
+              <a:rPr lang="en-US"/>
               <a:t>Click to edit Master text styles</a:t>
             </a:r>
           </a:p>
@@ -2346,7 +2351,7 @@
           <a:p>
             <a:fld id="{DF04AD52-4F98-461D-981D-3893757DA7F0}" type="datetimeFigureOut">
               <a:rPr lang="en-AU" smtClean="0"/>
-              <a:t>23/02/2021</a:t>
+              <a:t>1/03/2021</a:t>
             </a:fld>
             <a:endParaRPr lang="en-AU"/>
           </a:p>
@@ -2455,7 +2460,7 @@
           <a:lstStyle/>
           <a:p>
             <a:r>
-              <a:rPr lang="en-US" smtClean="0"/>
+              <a:rPr lang="en-US"/>
               <a:t>Click to edit Master title style</a:t>
             </a:r>
             <a:endParaRPr lang="en-AU"/>
@@ -2489,35 +2494,35 @@
           <a:p>
             <a:pPr lvl="0"/>
             <a:r>
-              <a:rPr lang="en-US" smtClean="0"/>
+              <a:rPr lang="en-US"/>
               <a:t>Click to edit Master text styles</a:t>
             </a:r>
           </a:p>
           <a:p>
             <a:pPr lvl="1"/>
             <a:r>
-              <a:rPr lang="en-US" smtClean="0"/>
+              <a:rPr lang="en-US"/>
               <a:t>Second level</a:t>
             </a:r>
           </a:p>
           <a:p>
             <a:pPr lvl="2"/>
             <a:r>
-              <a:rPr lang="en-US" smtClean="0"/>
+              <a:rPr lang="en-US"/>
               <a:t>Third level</a:t>
             </a:r>
           </a:p>
           <a:p>
             <a:pPr lvl="3"/>
             <a:r>
-              <a:rPr lang="en-US" smtClean="0"/>
+              <a:rPr lang="en-US"/>
               <a:t>Fourth level</a:t>
             </a:r>
           </a:p>
           <a:p>
             <a:pPr lvl="4"/>
             <a:r>
-              <a:rPr lang="en-US" smtClean="0"/>
+              <a:rPr lang="en-US"/>
               <a:t>Fifth level</a:t>
             </a:r>
             <a:endParaRPr lang="en-AU"/>
@@ -2559,7 +2564,7 @@
           <a:p>
             <a:fld id="{DF04AD52-4F98-461D-981D-3893757DA7F0}" type="datetimeFigureOut">
               <a:rPr lang="en-AU" smtClean="0"/>
-              <a:t>23/02/2021</a:t>
+              <a:t>1/03/2021</a:t>
             </a:fld>
             <a:endParaRPr lang="en-AU"/>
           </a:p>
@@ -2972,8 +2977,8 @@
         </p:nvSpPr>
         <p:spPr>
           <a:xfrm rot="3088971">
-            <a:off x="4675958" y="1074493"/>
-            <a:ext cx="929369" cy="1953744"/>
+            <a:off x="2297859" y="395351"/>
+            <a:ext cx="2293691" cy="4686385"/>
           </a:xfrm>
           <a:prstGeom prst="ellipse">
             <a:avLst/>
@@ -3012,302 +3017,14 @@
       </p:sp>
       <p:sp>
         <p:nvSpPr>
-          <p:cNvPr id="5" name="TextBox 4"/>
-          <p:cNvSpPr txBox="1"/>
-          <p:nvPr/>
-        </p:nvSpPr>
-        <p:spPr>
-          <a:xfrm>
-            <a:off x="5354595" y="1545890"/>
-            <a:ext cx="650789" cy="461665"/>
-          </a:xfrm>
-          <a:prstGeom prst="rect">
-            <a:avLst/>
-          </a:prstGeom>
-          <a:noFill/>
-        </p:spPr>
-        <p:txBody>
-          <a:bodyPr wrap="square" rtlCol="0">
-            <a:spAutoFit/>
-          </a:bodyPr>
-          <a:lstStyle/>
-          <a:p>
-            <a:r>
-              <a:rPr lang="en-AU" sz="2400" dirty="0" smtClean="0">
-                <a:latin typeface="Arial" panose="020B0604020202020204" pitchFamily="34" charset="0"/>
-                <a:cs typeface="Arial" panose="020B0604020202020204" pitchFamily="34" charset="0"/>
-              </a:rPr>
-              <a:t>r</a:t>
-            </a:r>
-            <a:endParaRPr lang="en-AU" sz="2400" dirty="0">
-              <a:latin typeface="Arial" panose="020B0604020202020204" pitchFamily="34" charset="0"/>
-              <a:cs typeface="Arial" panose="020B0604020202020204" pitchFamily="34" charset="0"/>
-            </a:endParaRPr>
-          </a:p>
-        </p:txBody>
-      </p:sp>
-      <mc:AlternateContent xmlns:mc="http://schemas.openxmlformats.org/markup-compatibility/2006">
-        <mc:Choice xmlns:a14="http://schemas.microsoft.com/office/drawing/2010/main" Requires="a14">
-          <p:sp>
-            <p:nvSpPr>
-              <p:cNvPr id="7" name="TextBox 6"/>
-              <p:cNvSpPr txBox="1"/>
-              <p:nvPr/>
-            </p:nvSpPr>
-            <p:spPr>
-              <a:xfrm>
-                <a:off x="4374292" y="2013315"/>
-                <a:ext cx="873211" cy="461665"/>
-              </a:xfrm>
-              <a:prstGeom prst="rect">
-                <a:avLst/>
-              </a:prstGeom>
-              <a:noFill/>
-            </p:spPr>
-            <p:txBody>
-              <a:bodyPr wrap="square" rtlCol="0">
-                <a:spAutoFit/>
-              </a:bodyPr>
-              <a:lstStyle/>
-              <a:p>
-                <a14:m>
-                  <m:oMathPara xmlns:m="http://schemas.openxmlformats.org/officeDocument/2006/math">
-                    <m:oMathParaPr>
-                      <m:jc m:val="centerGroup"/>
-                    </m:oMathParaPr>
-                    <m:oMath xmlns:m="http://schemas.openxmlformats.org/officeDocument/2006/math">
-                      <m:sSub>
-                        <m:sSubPr>
-                          <m:ctrlPr>
-                            <a:rPr lang="en-AU" sz="2400" b="0" i="1" smtClean="0">
-                              <a:latin typeface="Cambria Math" panose="02040503050406030204" pitchFamily="18" charset="0"/>
-                            </a:rPr>
-                          </m:ctrlPr>
-                        </m:sSubPr>
-                        <m:e>
-                          <m:r>
-                            <a:rPr lang="en-AU" sz="2400" b="0" i="1" smtClean="0">
-                              <a:latin typeface="Cambria Math" panose="02040503050406030204" pitchFamily="18" charset="0"/>
-                            </a:rPr>
-                            <m:t>𝜇</m:t>
-                          </m:r>
-                        </m:e>
-                        <m:sub>
-                          <m:r>
-                            <a:rPr lang="en-AU" sz="2400" b="0" i="1" smtClean="0">
-                              <a:latin typeface="Cambria Math" panose="02040503050406030204" pitchFamily="18" charset="0"/>
-                            </a:rPr>
-                            <m:t>𝑑</m:t>
-                          </m:r>
-                        </m:sub>
-                      </m:sSub>
-                    </m:oMath>
-                  </m:oMathPara>
-                </a14:m>
-                <a:endParaRPr lang="en-AU" sz="2400" dirty="0"/>
-              </a:p>
-            </p:txBody>
-          </p:sp>
-        </mc:Choice>
-        <mc:Fallback>
-          <p:sp>
-            <p:nvSpPr>
-              <p:cNvPr id="7" name="TextBox 6"/>
-              <p:cNvSpPr txBox="1">
-                <a:spLocks noRot="1" noChangeAspect="1" noMove="1" noResize="1" noEditPoints="1" noAdjustHandles="1" noChangeArrowheads="1" noChangeShapeType="1" noTextEdit="1"/>
-              </p:cNvSpPr>
-              <p:nvPr/>
-            </p:nvSpPr>
-            <p:spPr>
-              <a:xfrm>
-                <a:off x="4374292" y="2013315"/>
-                <a:ext cx="873211" cy="461665"/>
-              </a:xfrm>
-              <a:prstGeom prst="rect">
-                <a:avLst/>
-              </a:prstGeom>
-              <a:blipFill rotWithShape="0">
-                <a:blip r:embed="rId2"/>
-                <a:stretch>
-                  <a:fillRect b="-7895"/>
-                </a:stretch>
-              </a:blipFill>
-            </p:spPr>
-            <p:txBody>
-              <a:bodyPr/>
-              <a:lstStyle/>
-              <a:p>
-                <a:r>
-                  <a:rPr lang="en-AU">
-                    <a:noFill/>
-                  </a:rPr>
-                  <a:t> </a:t>
-                </a:r>
-              </a:p>
-            </p:txBody>
-          </p:sp>
-        </mc:Fallback>
-      </mc:AlternateContent>
-      <mc:AlternateContent xmlns:mc="http://schemas.openxmlformats.org/markup-compatibility/2006">
-        <mc:Choice xmlns:a14="http://schemas.microsoft.com/office/drawing/2010/main" Requires="a14">
-          <p:sp>
-            <p:nvSpPr>
-              <p:cNvPr id="8" name="TextBox 7"/>
-              <p:cNvSpPr txBox="1"/>
-              <p:nvPr/>
-            </p:nvSpPr>
-            <p:spPr>
-              <a:xfrm>
-                <a:off x="5442841" y="3651366"/>
-                <a:ext cx="502508" cy="707886"/>
-              </a:xfrm>
-              <a:prstGeom prst="rect">
-                <a:avLst/>
-              </a:prstGeom>
-              <a:noFill/>
-            </p:spPr>
-            <p:txBody>
-              <a:bodyPr wrap="square" rtlCol="0">
-                <a:spAutoFit/>
-              </a:bodyPr>
-              <a:lstStyle/>
-              <a:p>
-                <a14:m>
-                  <m:oMathPara xmlns:m="http://schemas.openxmlformats.org/officeDocument/2006/math">
-                    <m:oMathParaPr>
-                      <m:jc m:val="centerGroup"/>
-                    </m:oMathParaPr>
-                    <m:oMath xmlns:m="http://schemas.openxmlformats.org/officeDocument/2006/math">
-                      <m:r>
-                        <a:rPr lang="en-AU" sz="4000" b="0" i="1" smtClean="0">
-                          <a:latin typeface="Cambria Math" panose="02040503050406030204" pitchFamily="18" charset="0"/>
-                        </a:rPr>
-                        <m:t>𝛼</m:t>
-                      </m:r>
-                    </m:oMath>
-                  </m:oMathPara>
-                </a14:m>
-                <a:endParaRPr lang="en-AU" sz="4000" dirty="0"/>
-              </a:p>
-            </p:txBody>
-          </p:sp>
-        </mc:Choice>
-        <mc:Fallback>
-          <p:sp>
-            <p:nvSpPr>
-              <p:cNvPr id="8" name="TextBox 7"/>
-              <p:cNvSpPr txBox="1">
-                <a:spLocks noRot="1" noChangeAspect="1" noMove="1" noResize="1" noEditPoints="1" noAdjustHandles="1" noChangeArrowheads="1" noChangeShapeType="1" noTextEdit="1"/>
-              </p:cNvSpPr>
-              <p:nvPr/>
-            </p:nvSpPr>
-            <p:spPr>
-              <a:xfrm>
-                <a:off x="5442841" y="3651366"/>
-                <a:ext cx="502508" cy="707886"/>
-              </a:xfrm>
-              <a:prstGeom prst="rect">
-                <a:avLst/>
-              </a:prstGeom>
-              <a:blipFill rotWithShape="0">
-                <a:blip r:embed="rId3"/>
-                <a:stretch>
-                  <a:fillRect/>
-                </a:stretch>
-              </a:blipFill>
-            </p:spPr>
-            <p:txBody>
-              <a:bodyPr/>
-              <a:lstStyle/>
-              <a:p>
-                <a:r>
-                  <a:rPr lang="en-AU">
-                    <a:noFill/>
-                  </a:rPr>
-                  <a:t> </a:t>
-                </a:r>
-              </a:p>
-            </p:txBody>
-          </p:sp>
-        </mc:Fallback>
-      </mc:AlternateContent>
-      <p:sp>
-        <p:nvSpPr>
-          <p:cNvPr id="10" name="TextBox 9"/>
-          <p:cNvSpPr txBox="1"/>
-          <p:nvPr/>
-        </p:nvSpPr>
-        <p:spPr>
-          <a:xfrm>
-            <a:off x="6980391" y="2560619"/>
-            <a:ext cx="634314" cy="707886"/>
-          </a:xfrm>
-          <a:prstGeom prst="rect">
-            <a:avLst/>
-          </a:prstGeom>
-          <a:noFill/>
-        </p:spPr>
-        <p:txBody>
-          <a:bodyPr wrap="square" rtlCol="0">
-            <a:spAutoFit/>
-          </a:bodyPr>
-          <a:lstStyle/>
-          <a:p>
-            <a:pPr algn="ctr"/>
-            <a:r>
-              <a:rPr lang="en-AU" sz="4000" dirty="0" smtClean="0">
-                <a:latin typeface="Arial" panose="020B0604020202020204" pitchFamily="34" charset="0"/>
-                <a:cs typeface="Arial" panose="020B0604020202020204" pitchFamily="34" charset="0"/>
-              </a:rPr>
-              <a:t>n</a:t>
-            </a:r>
-            <a:endParaRPr lang="en-AU" sz="4000" dirty="0">
-              <a:latin typeface="Arial" panose="020B0604020202020204" pitchFamily="34" charset="0"/>
-              <a:cs typeface="Arial" panose="020B0604020202020204" pitchFamily="34" charset="0"/>
-            </a:endParaRPr>
-          </a:p>
-        </p:txBody>
-      </p:sp>
-      <p:sp>
-        <p:nvSpPr>
-          <p:cNvPr id="11" name="TextBox 10"/>
-          <p:cNvSpPr txBox="1"/>
-          <p:nvPr/>
-        </p:nvSpPr>
-        <p:spPr>
-          <a:xfrm>
-            <a:off x="5945349" y="1507838"/>
-            <a:ext cx="372082" cy="461665"/>
-          </a:xfrm>
-          <a:prstGeom prst="rect">
-            <a:avLst/>
-          </a:prstGeom>
-          <a:noFill/>
-        </p:spPr>
-        <p:txBody>
-          <a:bodyPr wrap="square" rtlCol="0">
-            <a:spAutoFit/>
-          </a:bodyPr>
-          <a:lstStyle/>
-          <a:p>
-            <a:r>
-              <a:rPr lang="en-AU" sz="2400" dirty="0" smtClean="0"/>
-              <a:t>N</a:t>
-            </a:r>
-            <a:endParaRPr lang="en-AU" sz="2400" b="0" dirty="0" smtClean="0"/>
-          </a:p>
-        </p:txBody>
-      </p:sp>
-      <p:sp>
-        <p:nvSpPr>
           <p:cNvPr id="13" name="Oval 12"/>
           <p:cNvSpPr/>
           <p:nvPr/>
         </p:nvSpPr>
         <p:spPr>
           <a:xfrm rot="2958161">
-            <a:off x="5787011" y="1533474"/>
-            <a:ext cx="1728695" cy="3785103"/>
+            <a:off x="3259508" y="1516350"/>
+            <a:ext cx="2335754" cy="4625324"/>
           </a:xfrm>
           <a:prstGeom prst="ellipse">
             <a:avLst/>
@@ -3344,43 +3061,6 @@
           </a:p>
         </p:txBody>
       </p:sp>
-      <p:cxnSp>
-        <p:nvCxnSpPr>
-          <p:cNvPr id="15" name="Straight Arrow Connector 14"/>
-          <p:cNvCxnSpPr/>
-          <p:nvPr/>
-        </p:nvCxnSpPr>
-        <p:spPr>
-          <a:xfrm>
-            <a:off x="5247503" y="2073458"/>
-            <a:ext cx="502508" cy="527222"/>
-          </a:xfrm>
-          <a:prstGeom prst="straightConnector1">
-            <a:avLst/>
-          </a:prstGeom>
-          <a:ln>
-            <a:solidFill>
-              <a:srgbClr val="DB1313"/>
-            </a:solidFill>
-            <a:headEnd type="triangle"/>
-            <a:tailEnd type="triangle"/>
-          </a:ln>
-        </p:spPr>
-        <p:style>
-          <a:lnRef idx="1">
-            <a:schemeClr val="accent1"/>
-          </a:lnRef>
-          <a:fillRef idx="0">
-            <a:schemeClr val="accent1"/>
-          </a:fillRef>
-          <a:effectRef idx="0">
-            <a:schemeClr val="accent1"/>
-          </a:effectRef>
-          <a:fontRef idx="minor">
-            <a:schemeClr val="tx1"/>
-          </a:fontRef>
-        </p:style>
-      </p:cxnSp>
       <p:sp>
         <p:nvSpPr>
           <p:cNvPr id="16" name="TextBox 15"/>
@@ -3389,7 +3069,7 @@
         </p:nvSpPr>
         <p:spPr>
           <a:xfrm rot="19215451">
-            <a:off x="2241565" y="983415"/>
+            <a:off x="169483" y="1670052"/>
             <a:ext cx="3612212" cy="584775"/>
           </a:xfrm>
           <a:prstGeom prst="rect">
@@ -3405,18 +3085,13 @@
           <a:p>
             <a:pPr algn="ctr"/>
             <a:r>
-              <a:rPr lang="en-AU" sz="3200" dirty="0" smtClean="0">
+              <a:rPr lang="en-AU" sz="3200" dirty="0">
                 <a:solidFill>
                   <a:srgbClr val="18D62F"/>
                 </a:solidFill>
               </a:rPr>
               <a:t>Population genetics</a:t>
             </a:r>
-            <a:endParaRPr lang="en-AU" sz="3200" dirty="0">
-              <a:solidFill>
-                <a:srgbClr val="18D62F"/>
-              </a:solidFill>
-            </a:endParaRPr>
           </a:p>
         </p:txBody>
       </p:sp>
@@ -3428,7 +3103,7 @@
         </p:nvSpPr>
         <p:spPr>
           <a:xfrm rot="19215451">
-            <a:off x="5515793" y="4013832"/>
+            <a:off x="3443711" y="4700469"/>
             <a:ext cx="3744248" cy="584775"/>
           </a:xfrm>
           <a:prstGeom prst="rect">
@@ -3444,217 +3119,1000 @@
           <a:p>
             <a:pPr algn="ctr"/>
             <a:r>
-              <a:rPr lang="en-AU" sz="3200" dirty="0" smtClean="0">
+              <a:rPr lang="en-AU" sz="3200" dirty="0">
                 <a:solidFill>
                   <a:srgbClr val="262AC8"/>
                 </a:solidFill>
               </a:rPr>
               <a:t>Quantitative genetics</a:t>
             </a:r>
-            <a:endParaRPr lang="en-AU" sz="3200" dirty="0">
+          </a:p>
+        </p:txBody>
+      </p:sp>
+      <p:grpSp>
+        <p:nvGrpSpPr>
+          <p:cNvPr id="14" name="Group 13">
+            <a:extLst>
+              <a:ext uri="{FF2B5EF4-FFF2-40B4-BE49-F238E27FC236}">
+                <a16:creationId xmlns:a16="http://schemas.microsoft.com/office/drawing/2014/main" id="{6436C034-8CDE-4A85-B226-777F3DF14584}"/>
+              </a:ext>
+            </a:extLst>
+          </p:cNvPr>
+          <p:cNvGrpSpPr/>
+          <p:nvPr/>
+        </p:nvGrpSpPr>
+        <p:grpSpPr>
+          <a:xfrm>
+            <a:off x="3282880" y="3385121"/>
+            <a:ext cx="510427" cy="491072"/>
+            <a:chOff x="3172102" y="1540993"/>
+            <a:chExt cx="510427" cy="491072"/>
+          </a:xfrm>
+        </p:grpSpPr>
+        <p:sp>
+          <p:nvSpPr>
+            <p:cNvPr id="5" name="TextBox 4"/>
+            <p:cNvSpPr txBox="1"/>
+            <p:nvPr/>
+          </p:nvSpPr>
+          <p:spPr>
+            <a:xfrm>
+              <a:off x="3247714" y="1540993"/>
+              <a:ext cx="375865" cy="461665"/>
+            </a:xfrm>
+            <a:prstGeom prst="rect">
+              <a:avLst/>
+            </a:prstGeom>
+            <a:noFill/>
+          </p:spPr>
+          <p:txBody>
+            <a:bodyPr wrap="square" rtlCol="0">
+              <a:spAutoFit/>
+            </a:bodyPr>
+            <a:lstStyle/>
+            <a:p>
+              <a:pPr algn="ctr"/>
+              <a:r>
+                <a:rPr lang="en-AU" sz="2400" dirty="0">
+                  <a:solidFill>
+                    <a:srgbClr val="7030A0"/>
+                  </a:solidFill>
+                  <a:latin typeface="Arial" panose="020B0604020202020204" pitchFamily="34" charset="0"/>
+                  <a:cs typeface="Arial" panose="020B0604020202020204" pitchFamily="34" charset="0"/>
+                </a:rPr>
+                <a:t>r</a:t>
+              </a:r>
+            </a:p>
+          </p:txBody>
+        </p:sp>
+        <p:sp>
+          <p:nvSpPr>
+            <p:cNvPr id="18" name="Oval 17"/>
+            <p:cNvSpPr/>
+            <p:nvPr/>
+          </p:nvSpPr>
+          <p:spPr>
+            <a:xfrm>
+              <a:off x="3172102" y="1542507"/>
+              <a:ext cx="510427" cy="489558"/>
+            </a:xfrm>
+            <a:prstGeom prst="ellipse">
+              <a:avLst/>
+            </a:prstGeom>
+            <a:noFill/>
+            <a:ln>
               <a:solidFill>
-                <a:srgbClr val="262AC8"/>
+                <a:schemeClr val="tx1"/>
               </a:solidFill>
-            </a:endParaRPr>
-          </a:p>
-        </p:txBody>
-      </p:sp>
-      <p:sp>
-        <p:nvSpPr>
-          <p:cNvPr id="18" name="Oval 17"/>
-          <p:cNvSpPr/>
+            </a:ln>
+          </p:spPr>
+          <p:style>
+            <a:lnRef idx="2">
+              <a:schemeClr val="accent1">
+                <a:shade val="50000"/>
+              </a:schemeClr>
+            </a:lnRef>
+            <a:fillRef idx="1">
+              <a:schemeClr val="accent1"/>
+            </a:fillRef>
+            <a:effectRef idx="0">
+              <a:schemeClr val="accent1"/>
+            </a:effectRef>
+            <a:fontRef idx="minor">
+              <a:schemeClr val="lt1"/>
+            </a:fontRef>
+          </p:style>
+          <p:txBody>
+            <a:bodyPr rtlCol="0" anchor="ctr"/>
+            <a:lstStyle/>
+            <a:p>
+              <a:pPr algn="ctr"/>
+              <a:endParaRPr lang="en-AU"/>
+            </a:p>
+          </p:txBody>
+        </p:sp>
+      </p:grpSp>
+      <p:grpSp>
+        <p:nvGrpSpPr>
+          <p:cNvPr id="19" name="Group 18">
+            <a:extLst>
+              <a:ext uri="{FF2B5EF4-FFF2-40B4-BE49-F238E27FC236}">
+                <a16:creationId xmlns:a16="http://schemas.microsoft.com/office/drawing/2014/main" id="{F361957F-6605-4C83-AD51-2968386F8C44}"/>
+              </a:ext>
+            </a:extLst>
+          </p:cNvPr>
+          <p:cNvGrpSpPr/>
           <p:nvPr/>
-        </p:nvSpPr>
-        <p:spPr>
+        </p:nvGrpSpPr>
+        <p:grpSpPr>
           <a:xfrm>
-            <a:off x="5244183" y="1539533"/>
+            <a:off x="3834463" y="2781447"/>
+            <a:ext cx="873211" cy="521257"/>
+            <a:chOff x="2298710" y="2042336"/>
+            <a:chExt cx="873211" cy="521257"/>
+          </a:xfrm>
+        </p:grpSpPr>
+        <mc:AlternateContent xmlns:mc="http://schemas.openxmlformats.org/markup-compatibility/2006">
+          <mc:Choice xmlns:a14="http://schemas.microsoft.com/office/drawing/2010/main" Requires="a14">
+            <p:sp>
+              <p:nvSpPr>
+                <p:cNvPr id="7" name="TextBox 6"/>
+                <p:cNvSpPr txBox="1"/>
+                <p:nvPr/>
+              </p:nvSpPr>
+              <p:spPr>
+                <a:xfrm>
+                  <a:off x="2298710" y="2042336"/>
+                  <a:ext cx="873211" cy="461665"/>
+                </a:xfrm>
+                <a:prstGeom prst="rect">
+                  <a:avLst/>
+                </a:prstGeom>
+                <a:noFill/>
+              </p:spPr>
+              <p:txBody>
+                <a:bodyPr wrap="square" rtlCol="0">
+                  <a:spAutoFit/>
+                </a:bodyPr>
+                <a:lstStyle/>
+                <a:p>
+                  <a:pPr/>
+                  <a14:m>
+                    <m:oMathPara xmlns:m="http://schemas.openxmlformats.org/officeDocument/2006/math">
+                      <m:oMathParaPr>
+                        <m:jc m:val="centerGroup"/>
+                      </m:oMathParaPr>
+                      <m:oMath xmlns:m="http://schemas.openxmlformats.org/officeDocument/2006/math">
+                        <m:sSub>
+                          <m:sSubPr>
+                            <m:ctrlPr>
+                              <a:rPr lang="en-AU" sz="2400" b="0" i="1" smtClean="0">
+                                <a:solidFill>
+                                  <a:schemeClr val="accent2"/>
+                                </a:solidFill>
+                                <a:latin typeface="Cambria Math" panose="02040503050406030204" pitchFamily="18" charset="0"/>
+                              </a:rPr>
+                            </m:ctrlPr>
+                          </m:sSubPr>
+                          <m:e>
+                            <m:r>
+                              <a:rPr lang="en-AU" sz="2400" b="0" i="1" smtClean="0">
+                                <a:solidFill>
+                                  <a:schemeClr val="accent2"/>
+                                </a:solidFill>
+                                <a:latin typeface="Cambria Math" panose="02040503050406030204" pitchFamily="18" charset="0"/>
+                              </a:rPr>
+                              <m:t>𝜇</m:t>
+                            </m:r>
+                          </m:e>
+                          <m:sub>
+                            <m:r>
+                              <a:rPr lang="en-AU" sz="2400" b="0" i="1" smtClean="0">
+                                <a:solidFill>
+                                  <a:schemeClr val="accent2"/>
+                                </a:solidFill>
+                                <a:latin typeface="Cambria Math" panose="02040503050406030204" pitchFamily="18" charset="0"/>
+                              </a:rPr>
+                              <m:t>𝑑</m:t>
+                            </m:r>
+                          </m:sub>
+                        </m:sSub>
+                      </m:oMath>
+                    </m:oMathPara>
+                  </a14:m>
+                  <a:endParaRPr lang="en-AU" sz="2400" dirty="0"/>
+                </a:p>
+              </p:txBody>
+            </p:sp>
+          </mc:Choice>
+          <mc:Fallback>
+            <p:sp>
+              <p:nvSpPr>
+                <p:cNvPr id="7" name="TextBox 6"/>
+                <p:cNvSpPr txBox="1">
+                  <a:spLocks noRot="1" noChangeAspect="1" noMove="1" noResize="1" noEditPoints="1" noAdjustHandles="1" noChangeArrowheads="1" noChangeShapeType="1" noTextEdit="1"/>
+                </p:cNvSpPr>
+                <p:nvPr/>
+              </p:nvSpPr>
+              <p:spPr>
+                <a:xfrm>
+                  <a:off x="2298710" y="2042336"/>
+                  <a:ext cx="873211" cy="461665"/>
+                </a:xfrm>
+                <a:prstGeom prst="rect">
+                  <a:avLst/>
+                </a:prstGeom>
+                <a:blipFill>
+                  <a:blip r:embed="rId2"/>
+                  <a:stretch>
+                    <a:fillRect b="-7895"/>
+                  </a:stretch>
+                </a:blipFill>
+              </p:spPr>
+              <p:txBody>
+                <a:bodyPr/>
+                <a:lstStyle/>
+                <a:p>
+                  <a:r>
+                    <a:rPr lang="en-US">
+                      <a:noFill/>
+                    </a:rPr>
+                    <a:t> </a:t>
+                  </a:r>
+                </a:p>
+              </p:txBody>
+            </p:sp>
+          </mc:Fallback>
+        </mc:AlternateContent>
+        <p:sp>
+          <p:nvSpPr>
+            <p:cNvPr id="21" name="Oval 20"/>
+            <p:cNvSpPr/>
+            <p:nvPr/>
+          </p:nvSpPr>
+          <p:spPr>
+            <a:xfrm>
+              <a:off x="2463328" y="2074035"/>
+              <a:ext cx="510427" cy="489558"/>
+            </a:xfrm>
+            <a:prstGeom prst="ellipse">
+              <a:avLst/>
+            </a:prstGeom>
+            <a:noFill/>
+            <a:ln>
+              <a:solidFill>
+                <a:schemeClr val="tx1"/>
+              </a:solidFill>
+            </a:ln>
+          </p:spPr>
+          <p:style>
+            <a:lnRef idx="2">
+              <a:schemeClr val="accent1">
+                <a:shade val="50000"/>
+              </a:schemeClr>
+            </a:lnRef>
+            <a:fillRef idx="1">
+              <a:schemeClr val="accent1"/>
+            </a:fillRef>
+            <a:effectRef idx="0">
+              <a:schemeClr val="accent1"/>
+            </a:effectRef>
+            <a:fontRef idx="minor">
+              <a:schemeClr val="lt1"/>
+            </a:fontRef>
+          </p:style>
+          <p:txBody>
+            <a:bodyPr rtlCol="0" anchor="ctr"/>
+            <a:lstStyle/>
+            <a:p>
+              <a:pPr algn="ctr"/>
+              <a:endParaRPr lang="en-AU"/>
+            </a:p>
+          </p:txBody>
+        </p:sp>
+      </p:grpSp>
+      <p:grpSp>
+        <p:nvGrpSpPr>
+          <p:cNvPr id="32" name="Group 31">
+            <a:extLst>
+              <a:ext uri="{FF2B5EF4-FFF2-40B4-BE49-F238E27FC236}">
+                <a16:creationId xmlns:a16="http://schemas.microsoft.com/office/drawing/2014/main" id="{191CC220-9407-4700-AD10-BF67AF11C735}"/>
+              </a:ext>
+            </a:extLst>
+          </p:cNvPr>
+          <p:cNvGrpSpPr/>
+          <p:nvPr/>
+        </p:nvGrpSpPr>
+        <p:grpSpPr>
+          <a:xfrm>
+            <a:off x="3026611" y="4591828"/>
+            <a:ext cx="634314" cy="501847"/>
+            <a:chOff x="4918231" y="2700898"/>
+            <a:chExt cx="634314" cy="501847"/>
+          </a:xfrm>
+        </p:grpSpPr>
+        <p:sp>
+          <p:nvSpPr>
+            <p:cNvPr id="10" name="TextBox 9"/>
+            <p:cNvSpPr txBox="1"/>
+            <p:nvPr/>
+          </p:nvSpPr>
+          <p:spPr>
+            <a:xfrm>
+              <a:off x="4918231" y="2700898"/>
+              <a:ext cx="634314" cy="461665"/>
+            </a:xfrm>
+            <a:prstGeom prst="rect">
+              <a:avLst/>
+            </a:prstGeom>
+            <a:noFill/>
+          </p:spPr>
+          <p:txBody>
+            <a:bodyPr wrap="square" rtlCol="0">
+              <a:spAutoFit/>
+            </a:bodyPr>
+            <a:lstStyle/>
+            <a:p>
+              <a:pPr algn="ctr"/>
+              <a:r>
+                <a:rPr lang="en-AU" sz="2400" dirty="0">
+                  <a:solidFill>
+                    <a:schemeClr val="accent2"/>
+                  </a:solidFill>
+                  <a:latin typeface="Arial" panose="020B0604020202020204" pitchFamily="34" charset="0"/>
+                  <a:cs typeface="Arial" panose="020B0604020202020204" pitchFamily="34" charset="0"/>
+                </a:rPr>
+                <a:t>n</a:t>
+              </a:r>
+            </a:p>
+          </p:txBody>
+        </p:sp>
+        <p:sp>
+          <p:nvSpPr>
+            <p:cNvPr id="22" name="Oval 21"/>
+            <p:cNvSpPr/>
+            <p:nvPr/>
+          </p:nvSpPr>
+          <p:spPr>
+            <a:xfrm>
+              <a:off x="4970253" y="2713187"/>
+              <a:ext cx="510427" cy="489558"/>
+            </a:xfrm>
+            <a:prstGeom prst="ellipse">
+              <a:avLst/>
+            </a:prstGeom>
+            <a:noFill/>
+            <a:ln>
+              <a:solidFill>
+                <a:schemeClr val="tx1"/>
+              </a:solidFill>
+            </a:ln>
+          </p:spPr>
+          <p:style>
+            <a:lnRef idx="2">
+              <a:schemeClr val="accent1">
+                <a:shade val="50000"/>
+              </a:schemeClr>
+            </a:lnRef>
+            <a:fillRef idx="1">
+              <a:schemeClr val="accent1"/>
+            </a:fillRef>
+            <a:effectRef idx="0">
+              <a:schemeClr val="accent1"/>
+            </a:effectRef>
+            <a:fontRef idx="minor">
+              <a:schemeClr val="lt1"/>
+            </a:fontRef>
+          </p:style>
+          <p:txBody>
+            <a:bodyPr rtlCol="0" anchor="ctr"/>
+            <a:lstStyle/>
+            <a:p>
+              <a:pPr algn="ctr"/>
+              <a:endParaRPr lang="en-AU">
+                <a:solidFill>
+                  <a:schemeClr val="accent2"/>
+                </a:solidFill>
+              </a:endParaRPr>
+            </a:p>
+          </p:txBody>
+        </p:sp>
+      </p:grpSp>
+      <p:grpSp>
+        <p:nvGrpSpPr>
+          <p:cNvPr id="30" name="Group 29">
+            <a:extLst>
+              <a:ext uri="{FF2B5EF4-FFF2-40B4-BE49-F238E27FC236}">
+                <a16:creationId xmlns:a16="http://schemas.microsoft.com/office/drawing/2014/main" id="{AF6D0457-7321-4A4A-8AE1-A9128C14334D}"/>
+              </a:ext>
+            </a:extLst>
+          </p:cNvPr>
+          <p:cNvGrpSpPr/>
+          <p:nvPr/>
+        </p:nvGrpSpPr>
+        <p:grpSpPr>
+          <a:xfrm>
+            <a:off x="4894007" y="3288757"/>
             <a:ext cx="510427" cy="489558"/>
+            <a:chOff x="3370760" y="3814959"/>
+            <a:chExt cx="510427" cy="489558"/>
           </a:xfrm>
-          <a:prstGeom prst="ellipse">
-            <a:avLst/>
-          </a:prstGeom>
-          <a:noFill/>
-          <a:ln>
-            <a:solidFill>
-              <a:schemeClr val="tx1"/>
-            </a:solidFill>
-          </a:ln>
-        </p:spPr>
-        <p:style>
-          <a:lnRef idx="2">
-            <a:schemeClr val="accent1">
-              <a:shade val="50000"/>
-            </a:schemeClr>
-          </a:lnRef>
-          <a:fillRef idx="1">
-            <a:schemeClr val="accent1"/>
-          </a:fillRef>
-          <a:effectRef idx="0">
-            <a:schemeClr val="accent1"/>
-          </a:effectRef>
-          <a:fontRef idx="minor">
-            <a:schemeClr val="lt1"/>
-          </a:fontRef>
-        </p:style>
-        <p:txBody>
-          <a:bodyPr rtlCol="0" anchor="ctr"/>
-          <a:lstStyle/>
-          <a:p>
-            <a:pPr algn="ctr"/>
-            <a:endParaRPr lang="en-AU"/>
-          </a:p>
-        </p:txBody>
-      </p:sp>
-      <p:sp>
-        <p:nvSpPr>
-          <p:cNvPr id="21" name="Oval 20"/>
-          <p:cNvSpPr/>
+        </p:grpSpPr>
+        <mc:AlternateContent xmlns:mc="http://schemas.openxmlformats.org/markup-compatibility/2006">
+          <mc:Choice xmlns:a14="http://schemas.microsoft.com/office/drawing/2010/main" Requires="a14">
+            <p:sp>
+              <p:nvSpPr>
+                <p:cNvPr id="8" name="TextBox 7"/>
+                <p:cNvSpPr txBox="1"/>
+                <p:nvPr/>
+              </p:nvSpPr>
+              <p:spPr>
+                <a:xfrm>
+                  <a:off x="3370760" y="3818299"/>
+                  <a:ext cx="502508" cy="461665"/>
+                </a:xfrm>
+                <a:prstGeom prst="rect">
+                  <a:avLst/>
+                </a:prstGeom>
+                <a:noFill/>
+              </p:spPr>
+              <p:txBody>
+                <a:bodyPr wrap="square" rtlCol="0">
+                  <a:spAutoFit/>
+                </a:bodyPr>
+                <a:lstStyle/>
+                <a:p>
+                  <a:pPr/>
+                  <a14:m>
+                    <m:oMathPara xmlns:m="http://schemas.openxmlformats.org/officeDocument/2006/math">
+                      <m:oMathParaPr>
+                        <m:jc m:val="centerGroup"/>
+                      </m:oMathParaPr>
+                      <m:oMath xmlns:m="http://schemas.openxmlformats.org/officeDocument/2006/math">
+                        <m:r>
+                          <a:rPr lang="en-AU" sz="2400" b="0" i="1" smtClean="0">
+                            <a:solidFill>
+                              <a:srgbClr val="7030A0"/>
+                            </a:solidFill>
+                            <a:latin typeface="Cambria Math" panose="02040503050406030204" pitchFamily="18" charset="0"/>
+                          </a:rPr>
+                          <m:t>𝛼</m:t>
+                        </m:r>
+                      </m:oMath>
+                    </m:oMathPara>
+                  </a14:m>
+                  <a:endParaRPr lang="en-AU" sz="2400" dirty="0">
+                    <a:solidFill>
+                      <a:srgbClr val="7030A0"/>
+                    </a:solidFill>
+                  </a:endParaRPr>
+                </a:p>
+              </p:txBody>
+            </p:sp>
+          </mc:Choice>
+          <mc:Fallback>
+            <p:sp>
+              <p:nvSpPr>
+                <p:cNvPr id="8" name="TextBox 7"/>
+                <p:cNvSpPr txBox="1">
+                  <a:spLocks noRot="1" noChangeAspect="1" noMove="1" noResize="1" noEditPoints="1" noAdjustHandles="1" noChangeArrowheads="1" noChangeShapeType="1" noTextEdit="1"/>
+                </p:cNvSpPr>
+                <p:nvPr/>
+              </p:nvSpPr>
+              <p:spPr>
+                <a:xfrm>
+                  <a:off x="3370760" y="3818299"/>
+                  <a:ext cx="502508" cy="461665"/>
+                </a:xfrm>
+                <a:prstGeom prst="rect">
+                  <a:avLst/>
+                </a:prstGeom>
+                <a:blipFill>
+                  <a:blip r:embed="rId3"/>
+                  <a:stretch>
+                    <a:fillRect/>
+                  </a:stretch>
+                </a:blipFill>
+              </p:spPr>
+              <p:txBody>
+                <a:bodyPr/>
+                <a:lstStyle/>
+                <a:p>
+                  <a:r>
+                    <a:rPr lang="en-US">
+                      <a:noFill/>
+                    </a:rPr>
+                    <a:t> </a:t>
+                  </a:r>
+                </a:p>
+              </p:txBody>
+            </p:sp>
+          </mc:Fallback>
+        </mc:AlternateContent>
+        <p:sp>
+          <p:nvSpPr>
+            <p:cNvPr id="23" name="Oval 22"/>
+            <p:cNvSpPr/>
+            <p:nvPr/>
+          </p:nvSpPr>
+          <p:spPr>
+            <a:xfrm>
+              <a:off x="3370760" y="3814959"/>
+              <a:ext cx="510427" cy="489558"/>
+            </a:xfrm>
+            <a:prstGeom prst="ellipse">
+              <a:avLst/>
+            </a:prstGeom>
+            <a:noFill/>
+            <a:ln>
+              <a:solidFill>
+                <a:schemeClr val="tx1"/>
+              </a:solidFill>
+            </a:ln>
+          </p:spPr>
+          <p:style>
+            <a:lnRef idx="2">
+              <a:schemeClr val="accent1">
+                <a:shade val="50000"/>
+              </a:schemeClr>
+            </a:lnRef>
+            <a:fillRef idx="1">
+              <a:schemeClr val="accent1"/>
+            </a:fillRef>
+            <a:effectRef idx="0">
+              <a:schemeClr val="accent1"/>
+            </a:effectRef>
+            <a:fontRef idx="minor">
+              <a:schemeClr val="lt1"/>
+            </a:fontRef>
+          </p:style>
+          <p:txBody>
+            <a:bodyPr rtlCol="0" anchor="ctr"/>
+            <a:lstStyle/>
+            <a:p>
+              <a:pPr algn="ctr"/>
+              <a:endParaRPr lang="en-AU"/>
+            </a:p>
+          </p:txBody>
+        </p:sp>
+      </p:grpSp>
+      <p:grpSp>
+        <p:nvGrpSpPr>
+          <p:cNvPr id="9" name="Group 8">
+            <a:extLst>
+              <a:ext uri="{FF2B5EF4-FFF2-40B4-BE49-F238E27FC236}">
+                <a16:creationId xmlns:a16="http://schemas.microsoft.com/office/drawing/2014/main" id="{8211AF97-3461-4980-8F89-9C4767224571}"/>
+              </a:ext>
+            </a:extLst>
+          </p:cNvPr>
+          <p:cNvGrpSpPr/>
           <p:nvPr/>
-        </p:nvSpPr>
-        <p:spPr>
+        </p:nvGrpSpPr>
+        <p:grpSpPr>
           <a:xfrm>
-            <a:off x="4535409" y="2071061"/>
+            <a:off x="4304794" y="1391135"/>
             <a:ext cx="510427" cy="489558"/>
+            <a:chOff x="3808895" y="1507583"/>
+            <a:chExt cx="510427" cy="489558"/>
           </a:xfrm>
-          <a:prstGeom prst="ellipse">
-            <a:avLst/>
-          </a:prstGeom>
-          <a:noFill/>
-          <a:ln>
-            <a:solidFill>
-              <a:schemeClr val="tx1"/>
-            </a:solidFill>
-          </a:ln>
-        </p:spPr>
-        <p:style>
-          <a:lnRef idx="2">
-            <a:schemeClr val="accent1">
-              <a:shade val="50000"/>
-            </a:schemeClr>
-          </a:lnRef>
-          <a:fillRef idx="1">
-            <a:schemeClr val="accent1"/>
-          </a:fillRef>
-          <a:effectRef idx="0">
-            <a:schemeClr val="accent1"/>
-          </a:effectRef>
-          <a:fontRef idx="minor">
-            <a:schemeClr val="lt1"/>
-          </a:fontRef>
-        </p:style>
-        <p:txBody>
-          <a:bodyPr rtlCol="0" anchor="ctr"/>
-          <a:lstStyle/>
-          <a:p>
-            <a:pPr algn="ctr"/>
-            <a:endParaRPr lang="en-AU"/>
-          </a:p>
-        </p:txBody>
-      </p:sp>
-      <p:sp>
-        <p:nvSpPr>
-          <p:cNvPr id="22" name="Oval 21"/>
-          <p:cNvSpPr/>
+        </p:grpSpPr>
+        <p:sp>
+          <p:nvSpPr>
+            <p:cNvPr id="11" name="TextBox 10"/>
+            <p:cNvSpPr txBox="1"/>
+            <p:nvPr/>
+          </p:nvSpPr>
+          <p:spPr>
+            <a:xfrm>
+              <a:off x="3881187" y="1518652"/>
+              <a:ext cx="372082" cy="461665"/>
+            </a:xfrm>
+            <a:prstGeom prst="rect">
+              <a:avLst/>
+            </a:prstGeom>
+            <a:noFill/>
+          </p:spPr>
+          <p:txBody>
+            <a:bodyPr wrap="square" rtlCol="0">
+              <a:spAutoFit/>
+            </a:bodyPr>
+            <a:lstStyle/>
+            <a:p>
+              <a:r>
+                <a:rPr lang="en-AU" sz="2400" dirty="0"/>
+                <a:t>N</a:t>
+              </a:r>
+              <a:endParaRPr lang="en-AU" sz="2400" b="0" dirty="0"/>
+            </a:p>
+          </p:txBody>
+        </p:sp>
+        <p:sp>
+          <p:nvSpPr>
+            <p:cNvPr id="26" name="Oval 25"/>
+            <p:cNvSpPr/>
+            <p:nvPr/>
+          </p:nvSpPr>
+          <p:spPr>
+            <a:xfrm>
+              <a:off x="3808895" y="1507583"/>
+              <a:ext cx="510427" cy="489558"/>
+            </a:xfrm>
+            <a:prstGeom prst="ellipse">
+              <a:avLst/>
+            </a:prstGeom>
+            <a:noFill/>
+            <a:ln>
+              <a:solidFill>
+                <a:schemeClr val="tx1"/>
+              </a:solidFill>
+            </a:ln>
+          </p:spPr>
+          <p:style>
+            <a:lnRef idx="2">
+              <a:schemeClr val="accent1">
+                <a:shade val="50000"/>
+              </a:schemeClr>
+            </a:lnRef>
+            <a:fillRef idx="1">
+              <a:schemeClr val="accent1"/>
+            </a:fillRef>
+            <a:effectRef idx="0">
+              <a:schemeClr val="accent1"/>
+            </a:effectRef>
+            <a:fontRef idx="minor">
+              <a:schemeClr val="lt1"/>
+            </a:fontRef>
+          </p:style>
+          <p:txBody>
+            <a:bodyPr rtlCol="0" anchor="ctr"/>
+            <a:lstStyle/>
+            <a:p>
+              <a:pPr algn="ctr"/>
+              <a:endParaRPr lang="en-AU"/>
+            </a:p>
+          </p:txBody>
+        </p:sp>
+      </p:grpSp>
+      <p:grpSp>
+        <p:nvGrpSpPr>
+          <p:cNvPr id="20" name="Group 19">
+            <a:extLst>
+              <a:ext uri="{FF2B5EF4-FFF2-40B4-BE49-F238E27FC236}">
+                <a16:creationId xmlns:a16="http://schemas.microsoft.com/office/drawing/2014/main" id="{2C27D458-5B0A-4A69-8DD8-72A144C87227}"/>
+              </a:ext>
+            </a:extLst>
+          </p:cNvPr>
+          <p:cNvGrpSpPr/>
           <p:nvPr/>
-        </p:nvSpPr>
-        <p:spPr>
+        </p:nvGrpSpPr>
+        <p:grpSpPr>
           <a:xfrm>
-            <a:off x="7042334" y="2710213"/>
-            <a:ext cx="510427" cy="489558"/>
+            <a:off x="1904872" y="3396827"/>
+            <a:ext cx="521506" cy="520208"/>
+            <a:chOff x="1863321" y="2591518"/>
+            <a:chExt cx="521506" cy="520208"/>
           </a:xfrm>
-          <a:prstGeom prst="ellipse">
-            <a:avLst/>
-          </a:prstGeom>
-          <a:noFill/>
-          <a:ln>
-            <a:solidFill>
-              <a:schemeClr val="tx1"/>
-            </a:solidFill>
-          </a:ln>
-        </p:spPr>
-        <p:style>
-          <a:lnRef idx="2">
-            <a:schemeClr val="accent1">
-              <a:shade val="50000"/>
-            </a:schemeClr>
-          </a:lnRef>
-          <a:fillRef idx="1">
-            <a:schemeClr val="accent1"/>
-          </a:fillRef>
-          <a:effectRef idx="0">
-            <a:schemeClr val="accent1"/>
-          </a:effectRef>
-          <a:fontRef idx="minor">
-            <a:schemeClr val="lt1"/>
-          </a:fontRef>
-        </p:style>
-        <p:txBody>
-          <a:bodyPr rtlCol="0" anchor="ctr"/>
-          <a:lstStyle/>
-          <a:p>
-            <a:pPr algn="ctr"/>
-            <a:endParaRPr lang="en-AU"/>
-          </a:p>
-        </p:txBody>
-      </p:sp>
-      <p:sp>
-        <p:nvSpPr>
-          <p:cNvPr id="23" name="Oval 22"/>
-          <p:cNvSpPr/>
+        </p:grpSpPr>
+        <mc:AlternateContent xmlns:mc="http://schemas.openxmlformats.org/markup-compatibility/2006">
+          <mc:Choice xmlns:a14="http://schemas.microsoft.com/office/drawing/2010/main" Requires="a14">
+            <p:sp>
+              <p:nvSpPr>
+                <p:cNvPr id="25" name="TextBox 24"/>
+                <p:cNvSpPr txBox="1"/>
+                <p:nvPr/>
+              </p:nvSpPr>
+              <p:spPr>
+                <a:xfrm>
+                  <a:off x="1863321" y="2591518"/>
+                  <a:ext cx="469904" cy="461665"/>
+                </a:xfrm>
+                <a:prstGeom prst="rect">
+                  <a:avLst/>
+                </a:prstGeom>
+                <a:noFill/>
+              </p:spPr>
+              <p:txBody>
+                <a:bodyPr wrap="square" rtlCol="0">
+                  <a:spAutoFit/>
+                </a:bodyPr>
+                <a:lstStyle/>
+                <a:p>
+                  <a:pPr/>
+                  <a14:m>
+                    <m:oMathPara xmlns:m="http://schemas.openxmlformats.org/officeDocument/2006/math">
+                      <m:oMathParaPr>
+                        <m:jc m:val="centerGroup"/>
+                      </m:oMathParaPr>
+                      <m:oMath xmlns:m="http://schemas.openxmlformats.org/officeDocument/2006/math">
+                        <m:sSub>
+                          <m:sSubPr>
+                            <m:ctrlPr>
+                              <a:rPr lang="en-AU" sz="2400" b="0" i="1" smtClean="0">
+                                <a:latin typeface="Cambria Math" panose="02040503050406030204" pitchFamily="18" charset="0"/>
+                              </a:rPr>
+                            </m:ctrlPr>
+                          </m:sSubPr>
+                          <m:e>
+                            <m:r>
+                              <a:rPr lang="en-AU" sz="2400" b="0" i="1" smtClean="0">
+                                <a:latin typeface="Cambria Math" panose="02040503050406030204" pitchFamily="18" charset="0"/>
+                                <a:ea typeface="Cambria Math" panose="02040503050406030204" pitchFamily="18" charset="0"/>
+                              </a:rPr>
+                              <m:t>𝜔</m:t>
+                            </m:r>
+                          </m:e>
+                          <m:sub>
+                            <m:r>
+                              <a:rPr lang="en-AU" sz="2400" b="0" i="1" smtClean="0">
+                                <a:latin typeface="Cambria Math" panose="02040503050406030204" pitchFamily="18" charset="0"/>
+                              </a:rPr>
+                              <m:t>𝑑</m:t>
+                            </m:r>
+                          </m:sub>
+                        </m:sSub>
+                      </m:oMath>
+                    </m:oMathPara>
+                  </a14:m>
+                  <a:endParaRPr lang="en-AU" sz="2400" dirty="0"/>
+                </a:p>
+              </p:txBody>
+            </p:sp>
+          </mc:Choice>
+          <mc:Fallback>
+            <p:sp>
+              <p:nvSpPr>
+                <p:cNvPr id="25" name="TextBox 24"/>
+                <p:cNvSpPr txBox="1">
+                  <a:spLocks noRot="1" noChangeAspect="1" noMove="1" noResize="1" noEditPoints="1" noAdjustHandles="1" noChangeArrowheads="1" noChangeShapeType="1" noTextEdit="1"/>
+                </p:cNvSpPr>
+                <p:nvPr/>
+              </p:nvSpPr>
+              <p:spPr>
+                <a:xfrm>
+                  <a:off x="1863321" y="2591518"/>
+                  <a:ext cx="469904" cy="461665"/>
+                </a:xfrm>
+                <a:prstGeom prst="rect">
+                  <a:avLst/>
+                </a:prstGeom>
+                <a:blipFill>
+                  <a:blip r:embed="rId4"/>
+                  <a:stretch>
+                    <a:fillRect r="-12821" b="-2632"/>
+                  </a:stretch>
+                </a:blipFill>
+              </p:spPr>
+              <p:txBody>
+                <a:bodyPr/>
+                <a:lstStyle/>
+                <a:p>
+                  <a:r>
+                    <a:rPr lang="en-US">
+                      <a:noFill/>
+                    </a:rPr>
+                    <a:t> </a:t>
+                  </a:r>
+                </a:p>
+              </p:txBody>
+            </p:sp>
+          </mc:Fallback>
+        </mc:AlternateContent>
+        <p:sp>
+          <p:nvSpPr>
+            <p:cNvPr id="27" name="Oval 26"/>
+            <p:cNvSpPr/>
+            <p:nvPr/>
+          </p:nvSpPr>
+          <p:spPr>
+            <a:xfrm>
+              <a:off x="1874400" y="2622168"/>
+              <a:ext cx="510427" cy="489558"/>
+            </a:xfrm>
+            <a:prstGeom prst="ellipse">
+              <a:avLst/>
+            </a:prstGeom>
+            <a:noFill/>
+            <a:ln>
+              <a:solidFill>
+                <a:schemeClr val="tx1"/>
+              </a:solidFill>
+            </a:ln>
+          </p:spPr>
+          <p:style>
+            <a:lnRef idx="2">
+              <a:schemeClr val="accent1">
+                <a:shade val="50000"/>
+              </a:schemeClr>
+            </a:lnRef>
+            <a:fillRef idx="1">
+              <a:schemeClr val="accent1"/>
+            </a:fillRef>
+            <a:effectRef idx="0">
+              <a:schemeClr val="accent1"/>
+            </a:effectRef>
+            <a:fontRef idx="minor">
+              <a:schemeClr val="lt1"/>
+            </a:fontRef>
+          </p:style>
+          <p:txBody>
+            <a:bodyPr rtlCol="0" anchor="ctr"/>
+            <a:lstStyle/>
+            <a:p>
+              <a:pPr algn="ctr"/>
+              <a:endParaRPr lang="en-AU"/>
+            </a:p>
+          </p:txBody>
+        </p:sp>
+      </p:grpSp>
+      <p:grpSp>
+        <p:nvGrpSpPr>
+          <p:cNvPr id="6" name="Group 5">
+            <a:extLst>
+              <a:ext uri="{FF2B5EF4-FFF2-40B4-BE49-F238E27FC236}">
+                <a16:creationId xmlns:a16="http://schemas.microsoft.com/office/drawing/2014/main" id="{837E156D-6261-4F05-9C04-73B2B50F92E5}"/>
+              </a:ext>
+            </a:extLst>
+          </p:cNvPr>
+          <p:cNvGrpSpPr/>
           <p:nvPr/>
-        </p:nvSpPr>
-        <p:spPr>
+        </p:nvGrpSpPr>
+        <p:grpSpPr>
           <a:xfrm>
-            <a:off x="5442841" y="3811985"/>
-            <a:ext cx="510427" cy="489558"/>
+            <a:off x="2373569" y="2496005"/>
+            <a:ext cx="510427" cy="498506"/>
+            <a:chOff x="3823436" y="988004"/>
+            <a:chExt cx="510427" cy="498506"/>
           </a:xfrm>
-          <a:prstGeom prst="ellipse">
-            <a:avLst/>
-          </a:prstGeom>
-          <a:noFill/>
-          <a:ln>
-            <a:solidFill>
-              <a:schemeClr val="tx1"/>
-            </a:solidFill>
-          </a:ln>
-        </p:spPr>
-        <p:style>
-          <a:lnRef idx="2">
-            <a:schemeClr val="accent1">
-              <a:shade val="50000"/>
-            </a:schemeClr>
-          </a:lnRef>
-          <a:fillRef idx="1">
-            <a:schemeClr val="accent1"/>
-          </a:fillRef>
-          <a:effectRef idx="0">
-            <a:schemeClr val="accent1"/>
-          </a:effectRef>
-          <a:fontRef idx="minor">
-            <a:schemeClr val="lt1"/>
-          </a:fontRef>
-        </p:style>
-        <p:txBody>
-          <a:bodyPr rtlCol="0" anchor="ctr"/>
-          <a:lstStyle/>
-          <a:p>
-            <a:pPr algn="ctr"/>
-            <a:endParaRPr lang="en-AU"/>
-          </a:p>
-        </p:txBody>
-      </p:sp>
+        </p:grpSpPr>
+        <mc:AlternateContent xmlns:mc="http://schemas.openxmlformats.org/markup-compatibility/2006">
+          <mc:Choice xmlns:a14="http://schemas.microsoft.com/office/drawing/2010/main" Requires="a14">
+            <p:sp>
+              <p:nvSpPr>
+                <p:cNvPr id="24" name="TextBox 23"/>
+                <p:cNvSpPr txBox="1"/>
+                <p:nvPr/>
+              </p:nvSpPr>
+              <p:spPr>
+                <a:xfrm>
+                  <a:off x="3858003" y="988004"/>
+                  <a:ext cx="461319" cy="461665"/>
+                </a:xfrm>
+                <a:prstGeom prst="rect">
+                  <a:avLst/>
+                </a:prstGeom>
+                <a:noFill/>
+              </p:spPr>
+              <p:txBody>
+                <a:bodyPr wrap="square" rtlCol="0">
+                  <a:spAutoFit/>
+                </a:bodyPr>
+                <a:lstStyle/>
+                <a:p>
+                  <a:pPr/>
+                  <a14:m>
+                    <m:oMathPara xmlns:m="http://schemas.openxmlformats.org/officeDocument/2006/math">
+                      <m:oMathParaPr>
+                        <m:jc m:val="centerGroup"/>
+                      </m:oMathParaPr>
+                      <m:oMath xmlns:m="http://schemas.openxmlformats.org/officeDocument/2006/math">
+                        <m:r>
+                          <a:rPr lang="en-AU" sz="2400" b="0" i="1" smtClean="0">
+                            <a:latin typeface="Cambria Math" panose="02040503050406030204" pitchFamily="18" charset="0"/>
+                          </a:rPr>
+                          <m:t>𝜇</m:t>
+                        </m:r>
+                      </m:oMath>
+                    </m:oMathPara>
+                  </a14:m>
+                  <a:endParaRPr lang="en-AU" sz="2400" b="0" dirty="0"/>
+                </a:p>
+              </p:txBody>
+            </p:sp>
+          </mc:Choice>
+          <mc:Fallback>
+            <p:sp>
+              <p:nvSpPr>
+                <p:cNvPr id="24" name="TextBox 23"/>
+                <p:cNvSpPr txBox="1">
+                  <a:spLocks noRot="1" noChangeAspect="1" noMove="1" noResize="1" noEditPoints="1" noAdjustHandles="1" noChangeArrowheads="1" noChangeShapeType="1" noTextEdit="1"/>
+                </p:cNvSpPr>
+                <p:nvPr/>
+              </p:nvSpPr>
+              <p:spPr>
+                <a:xfrm>
+                  <a:off x="3858003" y="988004"/>
+                  <a:ext cx="461319" cy="461665"/>
+                </a:xfrm>
+                <a:prstGeom prst="rect">
+                  <a:avLst/>
+                </a:prstGeom>
+                <a:blipFill>
+                  <a:blip r:embed="rId5"/>
+                  <a:stretch>
+                    <a:fillRect b="-7895"/>
+                  </a:stretch>
+                </a:blipFill>
+              </p:spPr>
+              <p:txBody>
+                <a:bodyPr/>
+                <a:lstStyle/>
+                <a:p>
+                  <a:r>
+                    <a:rPr lang="en-US">
+                      <a:noFill/>
+                    </a:rPr>
+                    <a:t> </a:t>
+                  </a:r>
+                </a:p>
+              </p:txBody>
+            </p:sp>
+          </mc:Fallback>
+        </mc:AlternateContent>
+        <p:sp>
+          <p:nvSpPr>
+            <p:cNvPr id="28" name="Oval 27"/>
+            <p:cNvSpPr/>
+            <p:nvPr/>
+          </p:nvSpPr>
+          <p:spPr>
+            <a:xfrm>
+              <a:off x="3823436" y="996952"/>
+              <a:ext cx="510427" cy="489558"/>
+            </a:xfrm>
+            <a:prstGeom prst="ellipse">
+              <a:avLst/>
+            </a:prstGeom>
+            <a:noFill/>
+            <a:ln>
+              <a:solidFill>
+                <a:schemeClr val="tx1"/>
+              </a:solidFill>
+            </a:ln>
+          </p:spPr>
+          <p:style>
+            <a:lnRef idx="2">
+              <a:schemeClr val="accent1">
+                <a:shade val="50000"/>
+              </a:schemeClr>
+            </a:lnRef>
+            <a:fillRef idx="1">
+              <a:schemeClr val="accent1"/>
+            </a:fillRef>
+            <a:effectRef idx="0">
+              <a:schemeClr val="accent1"/>
+            </a:effectRef>
+            <a:fontRef idx="minor">
+              <a:schemeClr val="lt1"/>
+            </a:fontRef>
+          </p:style>
+          <p:txBody>
+            <a:bodyPr rtlCol="0" anchor="ctr"/>
+            <a:lstStyle/>
+            <a:p>
+              <a:pPr algn="ctr"/>
+              <a:endParaRPr lang="en-AU"/>
+            </a:p>
+          </p:txBody>
+        </p:sp>
+      </p:grpSp>
       <mc:AlternateContent xmlns:mc="http://schemas.openxmlformats.org/markup-compatibility/2006">
         <mc:Choice xmlns:a14="http://schemas.microsoft.com/office/drawing/2010/main" Requires="a14">
           <p:sp>
             <p:nvSpPr>
-              <p:cNvPr id="24" name="TextBox 23"/>
+              <p:cNvPr id="2" name="TextBox 1">
+                <a:extLst>
+                  <a:ext uri="{FF2B5EF4-FFF2-40B4-BE49-F238E27FC236}">
+                    <a16:creationId xmlns:a16="http://schemas.microsoft.com/office/drawing/2014/main" id="{A33A1D76-85A3-48B4-A8C4-DE631FF9D81E}"/>
+                  </a:ext>
+                </a:extLst>
+              </p:cNvPr>
               <p:cNvSpPr txBox="1"/>
               <p:nvPr/>
             </p:nvSpPr>
             <p:spPr>
               <a:xfrm>
-                <a:off x="5930084" y="985030"/>
-                <a:ext cx="461319" cy="461665"/>
+                <a:off x="8042994" y="0"/>
+                <a:ext cx="4077890" cy="7313862"/>
               </a:xfrm>
               <a:prstGeom prst="rect">
                 <a:avLst/>
@@ -3669,21 +4127,323 @@
               <a:p>
                 <a:pPr/>
                 <a14:m>
-                  <m:oMathPara xmlns:m="http://schemas.openxmlformats.org/officeDocument/2006/math">
-                    <m:oMathParaPr>
-                      <m:jc m:val="centerGroup"/>
-                    </m:oMathParaPr>
-                    <m:oMath xmlns:m="http://schemas.openxmlformats.org/officeDocument/2006/math">
-                      <m:r>
-                        <a:rPr lang="en-AU" sz="2400" b="0" i="1" smtClean="0">
-                          <a:latin typeface="Cambria Math" panose="02040503050406030204" pitchFamily="18" charset="0"/>
-                        </a:rPr>
-                        <m:t>𝜇</m:t>
-                      </m:r>
-                    </m:oMath>
-                  </m:oMathPara>
+                  <m:oMath xmlns:m="http://schemas.openxmlformats.org/officeDocument/2006/math">
+                    <m:sSub>
+                      <m:sSubPr>
+                        <m:ctrlPr>
+                          <a:rPr lang="en-US" b="0" i="1" smtClean="0">
+                            <a:latin typeface="Cambria Math" panose="02040503050406030204" pitchFamily="18" charset="0"/>
+                          </a:rPr>
+                        </m:ctrlPr>
+                      </m:sSubPr>
+                      <m:e>
+                        <m:r>
+                          <a:rPr lang="en-US" b="0" i="1" smtClean="0">
+                            <a:latin typeface="Cambria Math" panose="02040503050406030204" pitchFamily="18" charset="0"/>
+                          </a:rPr>
+                          <m:t>𝜔</m:t>
+                        </m:r>
+                      </m:e>
+                      <m:sub>
+                        <m:r>
+                          <a:rPr lang="en-US" b="0" i="1" smtClean="0">
+                            <a:latin typeface="Cambria Math" panose="02040503050406030204" pitchFamily="18" charset="0"/>
+                          </a:rPr>
+                          <m:t>𝑑</m:t>
+                        </m:r>
+                      </m:sub>
+                    </m:sSub>
+                    <m:r>
+                      <a:rPr lang="en-US" b="0" i="1" smtClean="0">
+                        <a:latin typeface="Cambria Math" panose="02040503050406030204" pitchFamily="18" charset="0"/>
+                      </a:rPr>
+                      <m:t>=</m:t>
+                    </m:r>
+                  </m:oMath>
                 </a14:m>
-                <a:endParaRPr lang="en-AU" sz="2400" b="0" dirty="0" smtClean="0"/>
+                <a:r>
+                  <a:rPr lang="en-US" b="0" dirty="0"/>
+                  <a:t> Mean deleterious mutation fitness effect</a:t>
+                </a:r>
+              </a:p>
+              <a:p>
+                <a:pPr/>
+                <a14:m>
+                  <m:oMath xmlns:m="http://schemas.openxmlformats.org/officeDocument/2006/math">
+                    <m:sSub>
+                      <m:sSubPr>
+                        <m:ctrlPr>
+                          <a:rPr lang="en-US" b="0" i="1" smtClean="0">
+                            <a:latin typeface="Cambria Math" panose="02040503050406030204" pitchFamily="18" charset="0"/>
+                          </a:rPr>
+                        </m:ctrlPr>
+                      </m:sSubPr>
+                      <m:e>
+                        <m:r>
+                          <a:rPr lang="en-US" b="0" i="1" smtClean="0">
+                            <a:latin typeface="Cambria Math" panose="02040503050406030204" pitchFamily="18" charset="0"/>
+                          </a:rPr>
+                          <m:t>𝜇</m:t>
+                        </m:r>
+                      </m:e>
+                      <m:sub>
+                        <m:r>
+                          <a:rPr lang="en-US" b="0" i="1" smtClean="0">
+                            <a:latin typeface="Cambria Math" panose="02040503050406030204" pitchFamily="18" charset="0"/>
+                          </a:rPr>
+                          <m:t>𝑑</m:t>
+                        </m:r>
+                      </m:sub>
+                    </m:sSub>
+                    <m:r>
+                      <a:rPr lang="en-US" b="0" i="1" smtClean="0">
+                        <a:latin typeface="Cambria Math" panose="02040503050406030204" pitchFamily="18" charset="0"/>
+                      </a:rPr>
+                      <m:t>=</m:t>
+                    </m:r>
+                  </m:oMath>
+                </a14:m>
+                <a:r>
+                  <a:rPr lang="en-US" b="0" dirty="0"/>
+                  <a:t> Number of deleterious sites</a:t>
+                </a:r>
+              </a:p>
+              <a:p>
+                <a:pPr/>
+                <a:r>
+                  <a:rPr lang="en-US" dirty="0"/>
+                  <a:t>r = Genome-wide recombination rate</a:t>
+                </a:r>
+              </a:p>
+              <a:p>
+                <a:r>
+                  <a:rPr lang="en-US" dirty="0"/>
+                  <a:t>N = Population size</a:t>
+                </a:r>
+              </a:p>
+              <a:p>
+                <a:pPr/>
+                <a14:m>
+                  <m:oMath xmlns:m="http://schemas.openxmlformats.org/officeDocument/2006/math">
+                    <m:r>
+                      <a:rPr lang="en-US" b="0" i="1" smtClean="0">
+                        <a:latin typeface="Cambria Math" panose="02040503050406030204" pitchFamily="18" charset="0"/>
+                      </a:rPr>
+                      <m:t>𝜇</m:t>
+                    </m:r>
+                    <m:r>
+                      <a:rPr lang="en-US" b="0" i="1" smtClean="0">
+                        <a:latin typeface="Cambria Math" panose="02040503050406030204" pitchFamily="18" charset="0"/>
+                      </a:rPr>
+                      <m:t>=</m:t>
+                    </m:r>
+                  </m:oMath>
+                </a14:m>
+                <a:r>
+                  <a:rPr lang="en-US" dirty="0"/>
+                  <a:t> Average per-locus mutation rate</a:t>
+                </a:r>
+              </a:p>
+              <a:p>
+                <a:pPr/>
+                <a14:m>
+                  <m:oMath xmlns:m="http://schemas.openxmlformats.org/officeDocument/2006/math">
+                    <m:r>
+                      <a:rPr lang="en-US" b="0" i="1" smtClean="0">
+                        <a:latin typeface="Cambria Math" panose="02040503050406030204" pitchFamily="18" charset="0"/>
+                      </a:rPr>
+                      <m:t>𝛼</m:t>
+                    </m:r>
+                    <m:r>
+                      <a:rPr lang="en-US" b="0" i="1" smtClean="0">
+                        <a:latin typeface="Cambria Math" panose="02040503050406030204" pitchFamily="18" charset="0"/>
+                      </a:rPr>
+                      <m:t>=</m:t>
+                    </m:r>
+                  </m:oMath>
+                </a14:m>
+                <a:r>
+                  <a:rPr lang="en-US" b="0" i="1" dirty="0">
+                    <a:latin typeface="Cambria Math" panose="02040503050406030204" pitchFamily="18" charset="0"/>
+                  </a:rPr>
+                  <a:t>  </a:t>
+                </a:r>
+                <a:r>
+                  <a:rPr lang="en-US" b="0" dirty="0">
+                    <a:cs typeface="Arial" panose="020B0604020202020204" pitchFamily="34" charset="0"/>
+                  </a:rPr>
+                  <a:t>QTL effect size variance</a:t>
+                </a:r>
+                <a:r>
+                  <a:rPr lang="en-US" b="0" i="1" dirty="0">
+                    <a:latin typeface="Cambria Math" panose="02040503050406030204" pitchFamily="18" charset="0"/>
+                  </a:rPr>
+                  <a:t> </a:t>
+                </a:r>
+              </a:p>
+              <a:p>
+                <a:pPr/>
+                <a14:m>
+                  <m:oMath xmlns:m="http://schemas.openxmlformats.org/officeDocument/2006/math">
+                    <m:sSub>
+                      <m:sSubPr>
+                        <m:ctrlPr>
+                          <a:rPr lang="en-US" b="0" i="1" smtClean="0">
+                            <a:latin typeface="Cambria Math" panose="02040503050406030204" pitchFamily="18" charset="0"/>
+                          </a:rPr>
+                        </m:ctrlPr>
+                      </m:sSubPr>
+                      <m:e>
+                        <m:acc>
+                          <m:accPr>
+                            <m:chr m:val="̅"/>
+                            <m:ctrlPr>
+                              <a:rPr lang="en-US" b="0" i="1" smtClean="0">
+                                <a:latin typeface="Cambria Math" panose="02040503050406030204" pitchFamily="18" charset="0"/>
+                              </a:rPr>
+                            </m:ctrlPr>
+                          </m:accPr>
+                          <m:e>
+                            <m:r>
+                              <a:rPr lang="en-US" b="0" i="1" smtClean="0">
+                                <a:latin typeface="Cambria Math" panose="02040503050406030204" pitchFamily="18" charset="0"/>
+                              </a:rPr>
+                              <m:t>𝑥</m:t>
+                            </m:r>
+                          </m:e>
+                        </m:acc>
+                      </m:e>
+                      <m:sub>
+                        <m:r>
+                          <a:rPr lang="en-US" b="0" i="1" smtClean="0">
+                            <a:latin typeface="Cambria Math" panose="02040503050406030204" pitchFamily="18" charset="0"/>
+                          </a:rPr>
+                          <m:t>𝑄𝑇𝐿</m:t>
+                        </m:r>
+                      </m:sub>
+                    </m:sSub>
+                    <m:r>
+                      <a:rPr lang="en-US" b="0" i="1" smtClean="0">
+                        <a:latin typeface="Cambria Math" panose="02040503050406030204" pitchFamily="18" charset="0"/>
+                      </a:rPr>
+                      <m:t>=</m:t>
+                    </m:r>
+                  </m:oMath>
+                </a14:m>
+                <a:r>
+                  <a:rPr lang="en-US" b="0" dirty="0"/>
+                  <a:t> Mean QTL effect size</a:t>
+                </a:r>
+              </a:p>
+              <a:p>
+                <a:pPr/>
+                <a:r>
+                  <a:rPr lang="en-US" dirty="0"/>
+                  <a:t>n = Number of QTLs</a:t>
+                </a:r>
+              </a:p>
+              <a:p>
+                <a:pPr/>
+                <a14:m>
+                  <m:oMath xmlns:m="http://schemas.openxmlformats.org/officeDocument/2006/math">
+                    <m:r>
+                      <a:rPr lang="en-US" b="0" i="1" smtClean="0">
+                        <a:latin typeface="Cambria Math" panose="02040503050406030204" pitchFamily="18" charset="0"/>
+                      </a:rPr>
+                      <m:t>𝜆</m:t>
+                    </m:r>
+                  </m:oMath>
+                </a14:m>
+                <a:r>
+                  <a:rPr lang="en-US" dirty="0"/>
+                  <a:t> = Locus evolvability</a:t>
+                </a:r>
+              </a:p>
+              <a:p>
+                <a:pPr/>
+                <a14:m>
+                  <m:oMath xmlns:m="http://schemas.openxmlformats.org/officeDocument/2006/math">
+                    <m:r>
+                      <a:rPr lang="en-US" b="0" i="1" smtClean="0">
+                        <a:latin typeface="Cambria Math" panose="02040503050406030204" pitchFamily="18" charset="0"/>
+                      </a:rPr>
+                      <m:t>𝜏</m:t>
+                    </m:r>
+                  </m:oMath>
+                </a14:m>
+                <a:r>
+                  <a:rPr lang="en-US" dirty="0"/>
+                  <a:t> = Selection strength</a:t>
+                </a:r>
+              </a:p>
+              <a:p>
+                <a:endParaRPr lang="en-US" dirty="0"/>
+              </a:p>
+              <a:p>
+                <a:r>
+                  <a:rPr lang="en-US" dirty="0"/>
+                  <a:t>● = Fixed</a:t>
+                </a:r>
+              </a:p>
+              <a:p>
+                <a:r>
+                  <a:rPr lang="en-US" dirty="0">
+                    <a:solidFill>
+                      <a:schemeClr val="accent2"/>
+                    </a:solidFill>
+                  </a:rPr>
+                  <a:t>● </a:t>
+                </a:r>
+                <a:r>
+                  <a:rPr lang="en-US" dirty="0"/>
+                  <a:t>= Factor</a:t>
+                </a:r>
+              </a:p>
+              <a:p>
+                <a:r>
+                  <a:rPr lang="en-US" dirty="0">
+                    <a:solidFill>
+                      <a:srgbClr val="7030A0"/>
+                    </a:solidFill>
+                  </a:rPr>
+                  <a:t>●</a:t>
+                </a:r>
+                <a:r>
+                  <a:rPr lang="en-US" dirty="0">
+                    <a:solidFill>
+                      <a:schemeClr val="accent2"/>
+                    </a:solidFill>
+                  </a:rPr>
+                  <a:t> </a:t>
+                </a:r>
+                <a:r>
+                  <a:rPr lang="en-US" dirty="0"/>
+                  <a:t>= Latin Hypercube</a:t>
+                </a:r>
+              </a:p>
+              <a:p>
+                <a:endParaRPr lang="en-US" dirty="0"/>
+              </a:p>
+              <a:p>
+                <a:r>
+                  <a:rPr lang="en-US" b="1" dirty="0"/>
+                  <a:t>Research</a:t>
+                </a:r>
+              </a:p>
+              <a:p>
+                <a:r>
+                  <a:rPr lang="en-US" dirty="0"/>
+                  <a:t>Natural ranges: effect size variation, selection strengths on various traits, per-locus recombination rates </a:t>
+                </a:r>
+              </a:p>
+              <a:p>
+                <a:r>
+                  <a:rPr lang="en-US" dirty="0"/>
+                  <a:t>Common genetic architecture states: number of loci, locus constraints (how much more likely is a mutation at a histone vs intron), deleterious sites (?)</a:t>
+                </a:r>
+              </a:p>
+              <a:p>
+                <a:endParaRPr lang="en-US" dirty="0"/>
               </a:p>
             </p:txBody>
           </p:sp>
@@ -3691,7 +4451,13 @@
         <mc:Fallback>
           <p:sp>
             <p:nvSpPr>
-              <p:cNvPr id="24" name="TextBox 23"/>
+              <p:cNvPr id="2" name="TextBox 1">
+                <a:extLst>
+                  <a:ext uri="{FF2B5EF4-FFF2-40B4-BE49-F238E27FC236}">
+                    <a16:creationId xmlns:a16="http://schemas.microsoft.com/office/drawing/2014/main" id="{A33A1D76-85A3-48B4-A8C4-DE631FF9D81E}"/>
+                  </a:ext>
+                </a:extLst>
+              </p:cNvPr>
               <p:cNvSpPr txBox="1">
                 <a:spLocks noRot="1" noChangeAspect="1" noMove="1" noResize="1" noEditPoints="1" noAdjustHandles="1" noChangeArrowheads="1" noChangeShapeType="1" noTextEdit="1"/>
               </p:cNvSpPr>
@@ -3699,16 +4465,16 @@
             </p:nvSpPr>
             <p:spPr>
               <a:xfrm>
-                <a:off x="5930084" y="985030"/>
-                <a:ext cx="461319" cy="461665"/>
+                <a:off x="8042994" y="0"/>
+                <a:ext cx="4077890" cy="7313862"/>
               </a:xfrm>
               <a:prstGeom prst="rect">
                 <a:avLst/>
               </a:prstGeom>
-              <a:blipFill rotWithShape="0">
-                <a:blip r:embed="rId4"/>
+              <a:blipFill>
+                <a:blip r:embed="rId6"/>
                 <a:stretch>
-                  <a:fillRect b="-9333"/>
+                  <a:fillRect l="-1196" t="-417"/>
                 </a:stretch>
               </a:blipFill>
             </p:spPr>
@@ -3717,7 +4483,7 @@
               <a:lstStyle/>
               <a:p>
                 <a:r>
-                  <a:rPr lang="en-AU">
+                  <a:rPr lang="en-US">
                     <a:noFill/>
                   </a:rPr>
                   <a:t> </a:t>
@@ -3727,247 +4493,555 @@
           </p:sp>
         </mc:Fallback>
       </mc:AlternateContent>
-      <mc:AlternateContent xmlns:mc="http://schemas.openxmlformats.org/markup-compatibility/2006">
-        <mc:Choice xmlns:a14="http://schemas.microsoft.com/office/drawing/2010/main" Requires="a14">
-          <p:sp>
-            <p:nvSpPr>
-              <p:cNvPr id="25" name="TextBox 24"/>
-              <p:cNvSpPr txBox="1"/>
-              <p:nvPr/>
-            </p:nvSpPr>
-            <p:spPr>
-              <a:xfrm>
-                <a:off x="3935402" y="2588544"/>
-                <a:ext cx="469904" cy="461665"/>
-              </a:xfrm>
-              <a:prstGeom prst="rect">
-                <a:avLst/>
-              </a:prstGeom>
-              <a:noFill/>
-            </p:spPr>
-            <p:txBody>
-              <a:bodyPr wrap="square" rtlCol="0">
-                <a:spAutoFit/>
-              </a:bodyPr>
-              <a:lstStyle/>
-              <a:p>
-                <a14:m>
-                  <m:oMathPara xmlns:m="http://schemas.openxmlformats.org/officeDocument/2006/math">
-                    <m:oMathParaPr>
-                      <m:jc m:val="centerGroup"/>
-                    </m:oMathParaPr>
-                    <m:oMath xmlns:m="http://schemas.openxmlformats.org/officeDocument/2006/math">
-                      <m:sSub>
-                        <m:sSubPr>
-                          <m:ctrlPr>
-                            <a:rPr lang="en-AU" sz="2400" b="0" i="1" smtClean="0">
-                              <a:latin typeface="Cambria Math" panose="02040503050406030204" pitchFamily="18" charset="0"/>
-                            </a:rPr>
-                          </m:ctrlPr>
-                        </m:sSubPr>
-                        <m:e>
-                          <m:r>
-                            <a:rPr lang="en-AU" sz="2400" b="0" i="1" smtClean="0">
-                              <a:latin typeface="Cambria Math" panose="02040503050406030204" pitchFamily="18" charset="0"/>
-                              <a:ea typeface="Cambria Math" panose="02040503050406030204" pitchFamily="18" charset="0"/>
-                            </a:rPr>
-                            <m:t>𝜔</m:t>
-                          </m:r>
-                        </m:e>
-                        <m:sub>
-                          <m:r>
-                            <a:rPr lang="en-AU" sz="2400" b="0" i="1" smtClean="0">
-                              <a:latin typeface="Cambria Math" panose="02040503050406030204" pitchFamily="18" charset="0"/>
-                            </a:rPr>
-                            <m:t>𝑑</m:t>
-                          </m:r>
-                        </m:sub>
-                      </m:sSub>
-                    </m:oMath>
-                  </m:oMathPara>
-                </a14:m>
-                <a:endParaRPr lang="en-AU" sz="2400" dirty="0"/>
-              </a:p>
-            </p:txBody>
-          </p:sp>
-        </mc:Choice>
-        <mc:Fallback>
-          <p:sp>
-            <p:nvSpPr>
-              <p:cNvPr id="25" name="TextBox 24"/>
-              <p:cNvSpPr txBox="1">
-                <a:spLocks noRot="1" noChangeAspect="1" noMove="1" noResize="1" noEditPoints="1" noAdjustHandles="1" noChangeArrowheads="1" noChangeShapeType="1" noTextEdit="1"/>
-              </p:cNvSpPr>
-              <p:nvPr/>
-            </p:nvSpPr>
-            <p:spPr>
-              <a:xfrm>
-                <a:off x="3935402" y="2588544"/>
-                <a:ext cx="469904" cy="461665"/>
-              </a:xfrm>
-              <a:prstGeom prst="rect">
-                <a:avLst/>
-              </a:prstGeom>
-              <a:blipFill rotWithShape="0">
-                <a:blip r:embed="rId5"/>
-                <a:stretch>
-                  <a:fillRect r="-14286" b="-2667"/>
-                </a:stretch>
-              </a:blipFill>
-            </p:spPr>
-            <p:txBody>
-              <a:bodyPr/>
-              <a:lstStyle/>
-              <a:p>
-                <a:r>
-                  <a:rPr lang="en-AU">
-                    <a:noFill/>
-                  </a:rPr>
-                  <a:t> </a:t>
-                </a:r>
-              </a:p>
-            </p:txBody>
-          </p:sp>
-        </mc:Fallback>
-      </mc:AlternateContent>
-      <p:sp>
-        <p:nvSpPr>
-          <p:cNvPr id="26" name="Oval 25"/>
-          <p:cNvSpPr/>
+      <p:grpSp>
+        <p:nvGrpSpPr>
+          <p:cNvPr id="31" name="Group 30">
+            <a:extLst>
+              <a:ext uri="{FF2B5EF4-FFF2-40B4-BE49-F238E27FC236}">
+                <a16:creationId xmlns:a16="http://schemas.microsoft.com/office/drawing/2014/main" id="{E980A310-B0D1-4F6F-9233-D267FD39FEF3}"/>
+              </a:ext>
+            </a:extLst>
+          </p:cNvPr>
+          <p:cNvGrpSpPr/>
           <p:nvPr/>
-        </p:nvSpPr>
-        <p:spPr>
+        </p:nvGrpSpPr>
+        <p:grpSpPr>
           <a:xfrm>
-            <a:off x="5880976" y="1504609"/>
+            <a:off x="3963390" y="3957150"/>
+            <a:ext cx="811670" cy="778485"/>
+            <a:chOff x="3823436" y="3180071"/>
+            <a:chExt cx="811670" cy="778485"/>
+          </a:xfrm>
+        </p:grpSpPr>
+        <mc:AlternateContent xmlns:mc="http://schemas.openxmlformats.org/markup-compatibility/2006">
+          <mc:Choice xmlns:a14="http://schemas.microsoft.com/office/drawing/2010/main" Requires="a14">
+            <p:sp>
+              <p:nvSpPr>
+                <p:cNvPr id="3" name="TextBox 2">
+                  <a:extLst>
+                    <a:ext uri="{FF2B5EF4-FFF2-40B4-BE49-F238E27FC236}">
+                      <a16:creationId xmlns:a16="http://schemas.microsoft.com/office/drawing/2014/main" id="{DB62D4AA-24E5-4071-A213-BC0EDF855F5E}"/>
+                    </a:ext>
+                  </a:extLst>
+                </p:cNvPr>
+                <p:cNvSpPr txBox="1"/>
+                <p:nvPr/>
+              </p:nvSpPr>
+              <p:spPr>
+                <a:xfrm>
+                  <a:off x="3873268" y="3302644"/>
+                  <a:ext cx="510427" cy="487762"/>
+                </a:xfrm>
+                <a:prstGeom prst="rect">
+                  <a:avLst/>
+                </a:prstGeom>
+                <a:noFill/>
+              </p:spPr>
+              <p:txBody>
+                <a:bodyPr wrap="square" rtlCol="0">
+                  <a:spAutoFit/>
+                </a:bodyPr>
+                <a:lstStyle/>
+                <a:p>
+                  <a14:m>
+                    <m:oMathPara xmlns:m="http://schemas.openxmlformats.org/officeDocument/2006/math">
+                      <m:oMathParaPr>
+                        <m:jc m:val="centerGroup"/>
+                      </m:oMathParaPr>
+                      <m:oMath xmlns:m="http://schemas.openxmlformats.org/officeDocument/2006/math">
+                        <m:sSub>
+                          <m:sSubPr>
+                            <m:ctrlPr>
+                              <a:rPr lang="en-US" sz="2400" b="0" i="1" smtClean="0">
+                                <a:latin typeface="Cambria Math" panose="02040503050406030204" pitchFamily="18" charset="0"/>
+                              </a:rPr>
+                            </m:ctrlPr>
+                          </m:sSubPr>
+                          <m:e>
+                            <m:acc>
+                              <m:accPr>
+                                <m:chr m:val="̅"/>
+                                <m:ctrlPr>
+                                  <a:rPr lang="en-US" sz="2400" b="0" i="1" smtClean="0">
+                                    <a:latin typeface="Cambria Math" panose="02040503050406030204" pitchFamily="18" charset="0"/>
+                                  </a:rPr>
+                                </m:ctrlPr>
+                              </m:accPr>
+                              <m:e>
+                                <m:r>
+                                  <a:rPr lang="en-US" sz="2400" b="0" i="1" smtClean="0">
+                                    <a:latin typeface="Cambria Math" panose="02040503050406030204" pitchFamily="18" charset="0"/>
+                                  </a:rPr>
+                                  <m:t>𝑥</m:t>
+                                </m:r>
+                              </m:e>
+                            </m:acc>
+                          </m:e>
+                          <m:sub>
+                            <m:r>
+                              <a:rPr lang="en-US" sz="2400" b="0" i="1" smtClean="0">
+                                <a:latin typeface="Cambria Math" panose="02040503050406030204" pitchFamily="18" charset="0"/>
+                              </a:rPr>
+                              <m:t>𝑄𝑇𝐿</m:t>
+                            </m:r>
+                          </m:sub>
+                        </m:sSub>
+                      </m:oMath>
+                    </m:oMathPara>
+                  </a14:m>
+                  <a:endParaRPr lang="en-US" sz="2400" dirty="0"/>
+                </a:p>
+              </p:txBody>
+            </p:sp>
+          </mc:Choice>
+          <mc:Fallback>
+            <p:sp>
+              <p:nvSpPr>
+                <p:cNvPr id="3" name="TextBox 2">
+                  <a:extLst>
+                    <a:ext uri="{FF2B5EF4-FFF2-40B4-BE49-F238E27FC236}">
+                      <a16:creationId xmlns:a16="http://schemas.microsoft.com/office/drawing/2014/main" id="{DB62D4AA-24E5-4071-A213-BC0EDF855F5E}"/>
+                    </a:ext>
+                  </a:extLst>
+                </p:cNvPr>
+                <p:cNvSpPr txBox="1">
+                  <a:spLocks noRot="1" noChangeAspect="1" noMove="1" noResize="1" noEditPoints="1" noAdjustHandles="1" noChangeArrowheads="1" noChangeShapeType="1" noTextEdit="1"/>
+                </p:cNvSpPr>
+                <p:nvPr/>
+              </p:nvSpPr>
+              <p:spPr>
+                <a:xfrm>
+                  <a:off x="3873268" y="3302644"/>
+                  <a:ext cx="510427" cy="487762"/>
+                </a:xfrm>
+                <a:prstGeom prst="rect">
+                  <a:avLst/>
+                </a:prstGeom>
+                <a:blipFill>
+                  <a:blip r:embed="rId7"/>
+                  <a:stretch>
+                    <a:fillRect r="-50000" b="-8750"/>
+                  </a:stretch>
+                </a:blipFill>
+              </p:spPr>
+              <p:txBody>
+                <a:bodyPr/>
+                <a:lstStyle/>
+                <a:p>
+                  <a:r>
+                    <a:rPr lang="en-US">
+                      <a:noFill/>
+                    </a:rPr>
+                    <a:t> </a:t>
+                  </a:r>
+                </a:p>
+              </p:txBody>
+            </p:sp>
+          </mc:Fallback>
+        </mc:AlternateContent>
+        <p:sp>
+          <p:nvSpPr>
+            <p:cNvPr id="29" name="Oval 28">
+              <a:extLst>
+                <a:ext uri="{FF2B5EF4-FFF2-40B4-BE49-F238E27FC236}">
+                  <a16:creationId xmlns:a16="http://schemas.microsoft.com/office/drawing/2014/main" id="{54D46D11-9DC8-4AA2-93BC-22C1D97DDA4B}"/>
+                </a:ext>
+              </a:extLst>
+            </p:cNvPr>
+            <p:cNvSpPr/>
+            <p:nvPr/>
+          </p:nvSpPr>
+          <p:spPr>
+            <a:xfrm>
+              <a:off x="3823436" y="3180071"/>
+              <a:ext cx="811670" cy="778485"/>
+            </a:xfrm>
+            <a:prstGeom prst="ellipse">
+              <a:avLst/>
+            </a:prstGeom>
+            <a:noFill/>
+            <a:ln>
+              <a:solidFill>
+                <a:schemeClr val="tx1"/>
+              </a:solidFill>
+            </a:ln>
+          </p:spPr>
+          <p:style>
+            <a:lnRef idx="2">
+              <a:schemeClr val="accent1">
+                <a:shade val="50000"/>
+              </a:schemeClr>
+            </a:lnRef>
+            <a:fillRef idx="1">
+              <a:schemeClr val="accent1"/>
+            </a:fillRef>
+            <a:effectRef idx="0">
+              <a:schemeClr val="accent1"/>
+            </a:effectRef>
+            <a:fontRef idx="minor">
+              <a:schemeClr val="lt1"/>
+            </a:fontRef>
+          </p:style>
+          <p:txBody>
+            <a:bodyPr rtlCol="0" anchor="ctr"/>
+            <a:lstStyle/>
+            <a:p>
+              <a:pPr algn="ctr"/>
+              <a:endParaRPr lang="en-AU"/>
+            </a:p>
+          </p:txBody>
+        </p:sp>
+      </p:grpSp>
+      <p:grpSp>
+        <p:nvGrpSpPr>
+          <p:cNvPr id="33" name="Group 32">
+            <a:extLst>
+              <a:ext uri="{FF2B5EF4-FFF2-40B4-BE49-F238E27FC236}">
+                <a16:creationId xmlns:a16="http://schemas.microsoft.com/office/drawing/2014/main" id="{D8F016C3-B9CA-46D0-8A4D-67FC653F7455}"/>
+              </a:ext>
+            </a:extLst>
+          </p:cNvPr>
+          <p:cNvGrpSpPr/>
+          <p:nvPr/>
+        </p:nvGrpSpPr>
+        <p:grpSpPr>
+          <a:xfrm>
+            <a:off x="5392598" y="2410442"/>
             <a:ext cx="510427" cy="489558"/>
+            <a:chOff x="3808895" y="1507583"/>
+            <a:chExt cx="510427" cy="489558"/>
           </a:xfrm>
-          <a:prstGeom prst="ellipse">
-            <a:avLst/>
-          </a:prstGeom>
-          <a:noFill/>
-          <a:ln>
-            <a:solidFill>
-              <a:schemeClr val="tx1"/>
-            </a:solidFill>
-          </a:ln>
-        </p:spPr>
-        <p:style>
-          <a:lnRef idx="2">
-            <a:schemeClr val="accent1">
-              <a:shade val="50000"/>
-            </a:schemeClr>
-          </a:lnRef>
-          <a:fillRef idx="1">
-            <a:schemeClr val="accent1"/>
-          </a:fillRef>
-          <a:effectRef idx="0">
-            <a:schemeClr val="accent1"/>
-          </a:effectRef>
-          <a:fontRef idx="minor">
-            <a:schemeClr val="lt1"/>
-          </a:fontRef>
-        </p:style>
-        <p:txBody>
-          <a:bodyPr rtlCol="0" anchor="ctr"/>
-          <a:lstStyle/>
-          <a:p>
-            <a:pPr algn="ctr"/>
-            <a:endParaRPr lang="en-AU"/>
-          </a:p>
-        </p:txBody>
-      </p:sp>
-      <p:sp>
-        <p:nvSpPr>
-          <p:cNvPr id="27" name="Oval 26"/>
-          <p:cNvSpPr/>
+        </p:grpSpPr>
+        <mc:AlternateContent xmlns:mc="http://schemas.openxmlformats.org/markup-compatibility/2006">
+          <mc:Choice xmlns:a14="http://schemas.microsoft.com/office/drawing/2010/main" Requires="a14">
+            <p:sp>
+              <p:nvSpPr>
+                <p:cNvPr id="34" name="TextBox 33">
+                  <a:extLst>
+                    <a:ext uri="{FF2B5EF4-FFF2-40B4-BE49-F238E27FC236}">
+                      <a16:creationId xmlns:a16="http://schemas.microsoft.com/office/drawing/2014/main" id="{2481E8E0-6BDA-4685-AEEB-FCA156ADF988}"/>
+                    </a:ext>
+                  </a:extLst>
+                </p:cNvPr>
+                <p:cNvSpPr txBox="1"/>
+                <p:nvPr/>
+              </p:nvSpPr>
+              <p:spPr>
+                <a:xfrm>
+                  <a:off x="3881187" y="1518652"/>
+                  <a:ext cx="372082" cy="461665"/>
+                </a:xfrm>
+                <a:prstGeom prst="rect">
+                  <a:avLst/>
+                </a:prstGeom>
+                <a:noFill/>
+              </p:spPr>
+              <p:txBody>
+                <a:bodyPr wrap="square" rtlCol="0">
+                  <a:spAutoFit/>
+                </a:bodyPr>
+                <a:lstStyle/>
+                <a:p>
+                  <a14:m>
+                    <m:oMathPara xmlns:m="http://schemas.openxmlformats.org/officeDocument/2006/math">
+                      <m:oMathParaPr>
+                        <m:jc m:val="centerGroup"/>
+                      </m:oMathParaPr>
+                      <m:oMath xmlns:m="http://schemas.openxmlformats.org/officeDocument/2006/math">
+                        <m:r>
+                          <a:rPr lang="en-US" sz="2400" b="0" i="1" smtClean="0">
+                            <a:solidFill>
+                              <a:srgbClr val="7030A0"/>
+                            </a:solidFill>
+                            <a:latin typeface="Cambria Math" panose="02040503050406030204" pitchFamily="18" charset="0"/>
+                          </a:rPr>
+                          <m:t>𝜏</m:t>
+                        </m:r>
+                      </m:oMath>
+                    </m:oMathPara>
+                  </a14:m>
+                  <a:endParaRPr lang="en-AU" sz="2400" b="0" dirty="0">
+                    <a:solidFill>
+                      <a:srgbClr val="7030A0"/>
+                    </a:solidFill>
+                  </a:endParaRPr>
+                </a:p>
+              </p:txBody>
+            </p:sp>
+          </mc:Choice>
+          <mc:Fallback>
+            <p:sp>
+              <p:nvSpPr>
+                <p:cNvPr id="34" name="TextBox 33">
+                  <a:extLst>
+                    <a:ext uri="{FF2B5EF4-FFF2-40B4-BE49-F238E27FC236}">
+                      <a16:creationId xmlns:a16="http://schemas.microsoft.com/office/drawing/2014/main" id="{2481E8E0-6BDA-4685-AEEB-FCA156ADF988}"/>
+                    </a:ext>
+                  </a:extLst>
+                </p:cNvPr>
+                <p:cNvSpPr txBox="1">
+                  <a:spLocks noRot="1" noChangeAspect="1" noMove="1" noResize="1" noEditPoints="1" noAdjustHandles="1" noChangeArrowheads="1" noChangeShapeType="1" noTextEdit="1"/>
+                </p:cNvSpPr>
+                <p:nvPr/>
+              </p:nvSpPr>
+              <p:spPr>
+                <a:xfrm>
+                  <a:off x="3881187" y="1518652"/>
+                  <a:ext cx="372082" cy="461665"/>
+                </a:xfrm>
+                <a:prstGeom prst="rect">
+                  <a:avLst/>
+                </a:prstGeom>
+                <a:blipFill>
+                  <a:blip r:embed="rId8"/>
+                  <a:stretch>
+                    <a:fillRect/>
+                  </a:stretch>
+                </a:blipFill>
+              </p:spPr>
+              <p:txBody>
+                <a:bodyPr/>
+                <a:lstStyle/>
+                <a:p>
+                  <a:r>
+                    <a:rPr lang="en-US">
+                      <a:noFill/>
+                    </a:rPr>
+                    <a:t> </a:t>
+                  </a:r>
+                </a:p>
+              </p:txBody>
+            </p:sp>
+          </mc:Fallback>
+        </mc:AlternateContent>
+        <p:sp>
+          <p:nvSpPr>
+            <p:cNvPr id="35" name="Oval 34">
+              <a:extLst>
+                <a:ext uri="{FF2B5EF4-FFF2-40B4-BE49-F238E27FC236}">
+                  <a16:creationId xmlns:a16="http://schemas.microsoft.com/office/drawing/2014/main" id="{13D2650F-0E93-40DA-8862-785B2E3430E8}"/>
+                </a:ext>
+              </a:extLst>
+            </p:cNvPr>
+            <p:cNvSpPr/>
+            <p:nvPr/>
+          </p:nvSpPr>
+          <p:spPr>
+            <a:xfrm>
+              <a:off x="3808895" y="1507583"/>
+              <a:ext cx="510427" cy="489558"/>
+            </a:xfrm>
+            <a:prstGeom prst="ellipse">
+              <a:avLst/>
+            </a:prstGeom>
+            <a:noFill/>
+            <a:ln>
+              <a:solidFill>
+                <a:schemeClr val="tx1"/>
+              </a:solidFill>
+            </a:ln>
+          </p:spPr>
+          <p:style>
+            <a:lnRef idx="2">
+              <a:schemeClr val="accent1">
+                <a:shade val="50000"/>
+              </a:schemeClr>
+            </a:lnRef>
+            <a:fillRef idx="1">
+              <a:schemeClr val="accent1"/>
+            </a:fillRef>
+            <a:effectRef idx="0">
+              <a:schemeClr val="accent1"/>
+            </a:effectRef>
+            <a:fontRef idx="minor">
+              <a:schemeClr val="lt1"/>
+            </a:fontRef>
+          </p:style>
+          <p:txBody>
+            <a:bodyPr rtlCol="0" anchor="ctr"/>
+            <a:lstStyle/>
+            <a:p>
+              <a:pPr algn="ctr"/>
+              <a:endParaRPr lang="en-AU"/>
+            </a:p>
+          </p:txBody>
+        </p:sp>
+      </p:grpSp>
+      <p:grpSp>
+        <p:nvGrpSpPr>
+          <p:cNvPr id="36" name="Group 35">
+            <a:extLst>
+              <a:ext uri="{FF2B5EF4-FFF2-40B4-BE49-F238E27FC236}">
+                <a16:creationId xmlns:a16="http://schemas.microsoft.com/office/drawing/2014/main" id="{12D3E218-6582-41A8-B255-C7DE317FB274}"/>
+              </a:ext>
+            </a:extLst>
+          </p:cNvPr>
+          <p:cNvGrpSpPr/>
           <p:nvPr/>
-        </p:nvSpPr>
-        <p:spPr>
+        </p:nvGrpSpPr>
+        <p:grpSpPr>
           <a:xfrm>
-            <a:off x="3946481" y="2619194"/>
+            <a:off x="3223930" y="1763788"/>
             <a:ext cx="510427" cy="489558"/>
+            <a:chOff x="3808895" y="1507583"/>
+            <a:chExt cx="510427" cy="489558"/>
           </a:xfrm>
-          <a:prstGeom prst="ellipse">
-            <a:avLst/>
-          </a:prstGeom>
-          <a:noFill/>
-          <a:ln>
-            <a:solidFill>
-              <a:schemeClr val="tx1"/>
-            </a:solidFill>
-          </a:ln>
-        </p:spPr>
-        <p:style>
-          <a:lnRef idx="2">
-            <a:schemeClr val="accent1">
-              <a:shade val="50000"/>
-            </a:schemeClr>
-          </a:lnRef>
-          <a:fillRef idx="1">
-            <a:schemeClr val="accent1"/>
-          </a:fillRef>
-          <a:effectRef idx="0">
-            <a:schemeClr val="accent1"/>
-          </a:effectRef>
-          <a:fontRef idx="minor">
-            <a:schemeClr val="lt1"/>
-          </a:fontRef>
-        </p:style>
-        <p:txBody>
-          <a:bodyPr rtlCol="0" anchor="ctr"/>
-          <a:lstStyle/>
-          <a:p>
-            <a:pPr algn="ctr"/>
-            <a:endParaRPr lang="en-AU"/>
-          </a:p>
-        </p:txBody>
-      </p:sp>
-      <p:sp>
-        <p:nvSpPr>
-          <p:cNvPr id="28" name="Oval 27"/>
-          <p:cNvSpPr/>
-          <p:nvPr/>
-        </p:nvSpPr>
-        <p:spPr>
-          <a:xfrm>
-            <a:off x="5895517" y="993978"/>
-            <a:ext cx="510427" cy="489558"/>
-          </a:xfrm>
-          <a:prstGeom prst="ellipse">
-            <a:avLst/>
-          </a:prstGeom>
-          <a:noFill/>
-          <a:ln>
-            <a:solidFill>
-              <a:schemeClr val="tx1"/>
-            </a:solidFill>
-          </a:ln>
-        </p:spPr>
-        <p:style>
-          <a:lnRef idx="2">
-            <a:schemeClr val="accent1">
-              <a:shade val="50000"/>
-            </a:schemeClr>
-          </a:lnRef>
-          <a:fillRef idx="1">
-            <a:schemeClr val="accent1"/>
-          </a:fillRef>
-          <a:effectRef idx="0">
-            <a:schemeClr val="accent1"/>
-          </a:effectRef>
-          <a:fontRef idx="minor">
-            <a:schemeClr val="lt1"/>
-          </a:fontRef>
-        </p:style>
-        <p:txBody>
-          <a:bodyPr rtlCol="0" anchor="ctr"/>
-          <a:lstStyle/>
-          <a:p>
-            <a:pPr algn="ctr"/>
-            <a:endParaRPr lang="en-AU"/>
-          </a:p>
-        </p:txBody>
-      </p:sp>
+        </p:grpSpPr>
+        <mc:AlternateContent xmlns:mc="http://schemas.openxmlformats.org/markup-compatibility/2006">
+          <mc:Choice xmlns:a14="http://schemas.microsoft.com/office/drawing/2010/main" Requires="a14">
+            <p:sp>
+              <p:nvSpPr>
+                <p:cNvPr id="37" name="TextBox 36">
+                  <a:extLst>
+                    <a:ext uri="{FF2B5EF4-FFF2-40B4-BE49-F238E27FC236}">
+                      <a16:creationId xmlns:a16="http://schemas.microsoft.com/office/drawing/2014/main" id="{853B7569-6A47-41F7-BA48-DC1BB419BBA6}"/>
+                    </a:ext>
+                  </a:extLst>
+                </p:cNvPr>
+                <p:cNvSpPr txBox="1"/>
+                <p:nvPr/>
+              </p:nvSpPr>
+              <p:spPr>
+                <a:xfrm>
+                  <a:off x="3881187" y="1518652"/>
+                  <a:ext cx="372082" cy="461665"/>
+                </a:xfrm>
+                <a:prstGeom prst="rect">
+                  <a:avLst/>
+                </a:prstGeom>
+                <a:noFill/>
+              </p:spPr>
+              <p:txBody>
+                <a:bodyPr wrap="square" rtlCol="0">
+                  <a:spAutoFit/>
+                </a:bodyPr>
+                <a:lstStyle/>
+                <a:p>
+                  <a14:m>
+                    <m:oMathPara xmlns:m="http://schemas.openxmlformats.org/officeDocument/2006/math">
+                      <m:oMathParaPr>
+                        <m:jc m:val="centerGroup"/>
+                      </m:oMathParaPr>
+                      <m:oMath xmlns:m="http://schemas.openxmlformats.org/officeDocument/2006/math">
+                        <m:r>
+                          <a:rPr lang="en-US" sz="2400" b="0" i="1" smtClean="0">
+                            <a:solidFill>
+                              <a:schemeClr val="accent2"/>
+                            </a:solidFill>
+                            <a:latin typeface="Cambria Math" panose="02040503050406030204" pitchFamily="18" charset="0"/>
+                          </a:rPr>
+                          <m:t>𝜆</m:t>
+                        </m:r>
+                      </m:oMath>
+                    </m:oMathPara>
+                  </a14:m>
+                  <a:endParaRPr lang="en-AU" sz="2400" b="0" dirty="0">
+                    <a:solidFill>
+                      <a:schemeClr val="accent2"/>
+                    </a:solidFill>
+                  </a:endParaRPr>
+                </a:p>
+              </p:txBody>
+            </p:sp>
+          </mc:Choice>
+          <mc:Fallback>
+            <p:sp>
+              <p:nvSpPr>
+                <p:cNvPr id="37" name="TextBox 36">
+                  <a:extLst>
+                    <a:ext uri="{FF2B5EF4-FFF2-40B4-BE49-F238E27FC236}">
+                      <a16:creationId xmlns:a16="http://schemas.microsoft.com/office/drawing/2014/main" id="{853B7569-6A47-41F7-BA48-DC1BB419BBA6}"/>
+                    </a:ext>
+                  </a:extLst>
+                </p:cNvPr>
+                <p:cNvSpPr txBox="1">
+                  <a:spLocks noRot="1" noChangeAspect="1" noMove="1" noResize="1" noEditPoints="1" noAdjustHandles="1" noChangeArrowheads="1" noChangeShapeType="1" noTextEdit="1"/>
+                </p:cNvSpPr>
+                <p:nvPr/>
+              </p:nvSpPr>
+              <p:spPr>
+                <a:xfrm>
+                  <a:off x="3881187" y="1518652"/>
+                  <a:ext cx="372082" cy="461665"/>
+                </a:xfrm>
+                <a:prstGeom prst="rect">
+                  <a:avLst/>
+                </a:prstGeom>
+                <a:blipFill>
+                  <a:blip r:embed="rId9"/>
+                  <a:stretch>
+                    <a:fillRect l="-1639"/>
+                  </a:stretch>
+                </a:blipFill>
+              </p:spPr>
+              <p:txBody>
+                <a:bodyPr/>
+                <a:lstStyle/>
+                <a:p>
+                  <a:r>
+                    <a:rPr lang="en-US">
+                      <a:noFill/>
+                    </a:rPr>
+                    <a:t> </a:t>
+                  </a:r>
+                </a:p>
+              </p:txBody>
+            </p:sp>
+          </mc:Fallback>
+        </mc:AlternateContent>
+        <p:sp>
+          <p:nvSpPr>
+            <p:cNvPr id="38" name="Oval 37">
+              <a:extLst>
+                <a:ext uri="{FF2B5EF4-FFF2-40B4-BE49-F238E27FC236}">
+                  <a16:creationId xmlns:a16="http://schemas.microsoft.com/office/drawing/2014/main" id="{CDA54D76-2949-4DFD-B38C-08EB5ED93BBE}"/>
+                </a:ext>
+              </a:extLst>
+            </p:cNvPr>
+            <p:cNvSpPr/>
+            <p:nvPr/>
+          </p:nvSpPr>
+          <p:spPr>
+            <a:xfrm>
+              <a:off x="3808895" y="1507583"/>
+              <a:ext cx="510427" cy="489558"/>
+            </a:xfrm>
+            <a:prstGeom prst="ellipse">
+              <a:avLst/>
+            </a:prstGeom>
+            <a:noFill/>
+            <a:ln>
+              <a:solidFill>
+                <a:schemeClr val="tx1"/>
+              </a:solidFill>
+            </a:ln>
+          </p:spPr>
+          <p:style>
+            <a:lnRef idx="2">
+              <a:schemeClr val="accent1">
+                <a:shade val="50000"/>
+              </a:schemeClr>
+            </a:lnRef>
+            <a:fillRef idx="1">
+              <a:schemeClr val="accent1"/>
+            </a:fillRef>
+            <a:effectRef idx="0">
+              <a:schemeClr val="accent1"/>
+            </a:effectRef>
+            <a:fontRef idx="minor">
+              <a:schemeClr val="lt1"/>
+            </a:fontRef>
+          </p:style>
+          <p:txBody>
+            <a:bodyPr rtlCol="0" anchor="ctr"/>
+            <a:lstStyle/>
+            <a:p>
+              <a:pPr algn="ctr"/>
+              <a:endParaRPr lang="en-AU"/>
+            </a:p>
+          </p:txBody>
+        </p:sp>
+      </p:grpSp>
     </p:spTree>
     <p:extLst>
       <p:ext uri="{BB962C8B-B14F-4D97-AF65-F5344CB8AC3E}">

--- a/Paper/Planning/concepts_parameters.pptx
+++ b/Paper/Planning/concepts_parameters.pptx
@@ -243,7 +243,7 @@
           <a:p>
             <a:fld id="{DF04AD52-4F98-461D-981D-3893757DA7F0}" type="datetimeFigureOut">
               <a:rPr lang="en-AU" smtClean="0"/>
-              <a:t>1/03/2021</a:t>
+              <a:t>2/03/2021</a:t>
             </a:fld>
             <a:endParaRPr lang="en-AU"/>
           </a:p>
@@ -413,7 +413,7 @@
           <a:p>
             <a:fld id="{DF04AD52-4F98-461D-981D-3893757DA7F0}" type="datetimeFigureOut">
               <a:rPr lang="en-AU" smtClean="0"/>
-              <a:t>1/03/2021</a:t>
+              <a:t>2/03/2021</a:t>
             </a:fld>
             <a:endParaRPr lang="en-AU"/>
           </a:p>
@@ -593,7 +593,7 @@
           <a:p>
             <a:fld id="{DF04AD52-4F98-461D-981D-3893757DA7F0}" type="datetimeFigureOut">
               <a:rPr lang="en-AU" smtClean="0"/>
-              <a:t>1/03/2021</a:t>
+              <a:t>2/03/2021</a:t>
             </a:fld>
             <a:endParaRPr lang="en-AU"/>
           </a:p>
@@ -763,7 +763,7 @@
           <a:p>
             <a:fld id="{DF04AD52-4F98-461D-981D-3893757DA7F0}" type="datetimeFigureOut">
               <a:rPr lang="en-AU" smtClean="0"/>
-              <a:t>1/03/2021</a:t>
+              <a:t>2/03/2021</a:t>
             </a:fld>
             <a:endParaRPr lang="en-AU"/>
           </a:p>
@@ -1009,7 +1009,7 @@
           <a:p>
             <a:fld id="{DF04AD52-4F98-461D-981D-3893757DA7F0}" type="datetimeFigureOut">
               <a:rPr lang="en-AU" smtClean="0"/>
-              <a:t>1/03/2021</a:t>
+              <a:t>2/03/2021</a:t>
             </a:fld>
             <a:endParaRPr lang="en-AU"/>
           </a:p>
@@ -1241,7 +1241,7 @@
           <a:p>
             <a:fld id="{DF04AD52-4F98-461D-981D-3893757DA7F0}" type="datetimeFigureOut">
               <a:rPr lang="en-AU" smtClean="0"/>
-              <a:t>1/03/2021</a:t>
+              <a:t>2/03/2021</a:t>
             </a:fld>
             <a:endParaRPr lang="en-AU"/>
           </a:p>
@@ -1608,7 +1608,7 @@
           <a:p>
             <a:fld id="{DF04AD52-4F98-461D-981D-3893757DA7F0}" type="datetimeFigureOut">
               <a:rPr lang="en-AU" smtClean="0"/>
-              <a:t>1/03/2021</a:t>
+              <a:t>2/03/2021</a:t>
             </a:fld>
             <a:endParaRPr lang="en-AU"/>
           </a:p>
@@ -1726,7 +1726,7 @@
           <a:p>
             <a:fld id="{DF04AD52-4F98-461D-981D-3893757DA7F0}" type="datetimeFigureOut">
               <a:rPr lang="en-AU" smtClean="0"/>
-              <a:t>1/03/2021</a:t>
+              <a:t>2/03/2021</a:t>
             </a:fld>
             <a:endParaRPr lang="en-AU"/>
           </a:p>
@@ -1821,7 +1821,7 @@
           <a:p>
             <a:fld id="{DF04AD52-4F98-461D-981D-3893757DA7F0}" type="datetimeFigureOut">
               <a:rPr lang="en-AU" smtClean="0"/>
-              <a:t>1/03/2021</a:t>
+              <a:t>2/03/2021</a:t>
             </a:fld>
             <a:endParaRPr lang="en-AU"/>
           </a:p>
@@ -2098,7 +2098,7 @@
           <a:p>
             <a:fld id="{DF04AD52-4F98-461D-981D-3893757DA7F0}" type="datetimeFigureOut">
               <a:rPr lang="en-AU" smtClean="0"/>
-              <a:t>1/03/2021</a:t>
+              <a:t>2/03/2021</a:t>
             </a:fld>
             <a:endParaRPr lang="en-AU"/>
           </a:p>
@@ -2351,7 +2351,7 @@
           <a:p>
             <a:fld id="{DF04AD52-4F98-461D-981D-3893757DA7F0}" type="datetimeFigureOut">
               <a:rPr lang="en-AU" smtClean="0"/>
-              <a:t>1/03/2021</a:t>
+              <a:t>2/03/2021</a:t>
             </a:fld>
             <a:endParaRPr lang="en-AU"/>
           </a:p>
@@ -2564,7 +2564,7 @@
           <a:p>
             <a:fld id="{DF04AD52-4F98-461D-981D-3893757DA7F0}" type="datetimeFigureOut">
               <a:rPr lang="en-AU" smtClean="0"/>
-              <a:t>1/03/2021</a:t>
+              <a:t>2/03/2021</a:t>
             </a:fld>
             <a:endParaRPr lang="en-AU"/>
           </a:p>
@@ -3134,7 +3134,7 @@
           <p:cNvPr id="14" name="Group 13">
             <a:extLst>
               <a:ext uri="{FF2B5EF4-FFF2-40B4-BE49-F238E27FC236}">
-                <a16:creationId xmlns:a16="http://schemas.microsoft.com/office/drawing/2014/main" id="{6436C034-8CDE-4A85-B226-777F3DF14584}"/>
+                <a16:creationId xmlns="" xmlns:a16="http://schemas.microsoft.com/office/drawing/2014/main" id="{6436C034-8CDE-4A85-B226-777F3DF14584}"/>
               </a:ext>
             </a:extLst>
           </p:cNvPr>
@@ -3237,7 +3237,7 @@
           <p:cNvPr id="19" name="Group 18">
             <a:extLst>
               <a:ext uri="{FF2B5EF4-FFF2-40B4-BE49-F238E27FC236}">
-                <a16:creationId xmlns:a16="http://schemas.microsoft.com/office/drawing/2014/main" id="{F361957F-6605-4C83-AD51-2968386F8C44}"/>
+                <a16:creationId xmlns="" xmlns:a16="http://schemas.microsoft.com/office/drawing/2014/main" id="{F361957F-6605-4C83-AD51-2968386F8C44}"/>
               </a:ext>
             </a:extLst>
           </p:cNvPr>
@@ -3252,8 +3252,8 @@
             <a:chExt cx="873211" cy="521257"/>
           </a:xfrm>
         </p:grpSpPr>
-        <mc:AlternateContent xmlns:mc="http://schemas.openxmlformats.org/markup-compatibility/2006">
-          <mc:Choice xmlns:a14="http://schemas.microsoft.com/office/drawing/2010/main" Requires="a14">
+        <mc:AlternateContent xmlns:mc="http://schemas.openxmlformats.org/markup-compatibility/2006" xmlns:a14="http://schemas.microsoft.com/office/drawing/2010/main">
+          <mc:Choice Requires="a14">
             <p:sp>
               <p:nvSpPr>
                 <p:cNvPr id="7" name="TextBox 6"/>
@@ -3302,7 +3302,7 @@
                                 </a:solidFill>
                                 <a:latin typeface="Cambria Math" panose="02040503050406030204" pitchFamily="18" charset="0"/>
                               </a:rPr>
-                              <m:t>𝜇</m:t>
+                              <m:t>𝑛</m:t>
                             </m:r>
                           </m:e>
                           <m:sub>
@@ -3325,7 +3325,7 @@
               </p:txBody>
             </p:sp>
           </mc:Choice>
-          <mc:Fallback>
+          <mc:Fallback xmlns="">
             <p:sp>
               <p:nvSpPr>
                 <p:cNvPr id="7" name="TextBox 6"/>
@@ -3342,10 +3342,10 @@
                 <a:prstGeom prst="rect">
                   <a:avLst/>
                 </a:prstGeom>
-                <a:blipFill>
+                <a:blipFill rotWithShape="0">
                   <a:blip r:embed="rId2"/>
                   <a:stretch>
-                    <a:fillRect b="-7895"/>
+                    <a:fillRect b="-2632"/>
                   </a:stretch>
                 </a:blipFill>
               </p:spPr>
@@ -3354,7 +3354,7 @@
                 <a:lstStyle/>
                 <a:p>
                   <a:r>
-                    <a:rPr lang="en-US">
+                    <a:rPr lang="en-AU">
                       <a:noFill/>
                     </a:rPr>
                     <a:t> </a:t>
@@ -3416,7 +3416,7 @@
           <p:cNvPr id="32" name="Group 31">
             <a:extLst>
               <a:ext uri="{FF2B5EF4-FFF2-40B4-BE49-F238E27FC236}">
-                <a16:creationId xmlns:a16="http://schemas.microsoft.com/office/drawing/2014/main" id="{191CC220-9407-4700-AD10-BF67AF11C735}"/>
+                <a16:creationId xmlns="" xmlns:a16="http://schemas.microsoft.com/office/drawing/2014/main" id="{191CC220-9407-4700-AD10-BF67AF11C735}"/>
               </a:ext>
             </a:extLst>
           </p:cNvPr>
@@ -3523,7 +3523,7 @@
           <p:cNvPr id="30" name="Group 29">
             <a:extLst>
               <a:ext uri="{FF2B5EF4-FFF2-40B4-BE49-F238E27FC236}">
-                <a16:creationId xmlns:a16="http://schemas.microsoft.com/office/drawing/2014/main" id="{AF6D0457-7321-4A4A-8AE1-A9128C14334D}"/>
+                <a16:creationId xmlns="" xmlns:a16="http://schemas.microsoft.com/office/drawing/2014/main" id="{AF6D0457-7321-4A4A-8AE1-A9128C14334D}"/>
               </a:ext>
             </a:extLst>
           </p:cNvPr>
@@ -3538,8 +3538,8 @@
             <a:chExt cx="510427" cy="489558"/>
           </a:xfrm>
         </p:grpSpPr>
-        <mc:AlternateContent xmlns:mc="http://schemas.openxmlformats.org/markup-compatibility/2006">
-          <mc:Choice xmlns:a14="http://schemas.microsoft.com/office/drawing/2010/main" Requires="a14">
+        <mc:AlternateContent xmlns:mc="http://schemas.openxmlformats.org/markup-compatibility/2006" xmlns:a14="http://schemas.microsoft.com/office/drawing/2010/main">
+          <mc:Choice Requires="a14">
             <p:sp>
               <p:nvSpPr>
                 <p:cNvPr id="8" name="TextBox 7"/>
@@ -3590,7 +3590,7 @@
               </p:txBody>
             </p:sp>
           </mc:Choice>
-          <mc:Fallback>
+          <mc:Fallback xmlns="">
             <p:sp>
               <p:nvSpPr>
                 <p:cNvPr id="8" name="TextBox 7"/>
@@ -3681,7 +3681,7 @@
           <p:cNvPr id="9" name="Group 8">
             <a:extLst>
               <a:ext uri="{FF2B5EF4-FFF2-40B4-BE49-F238E27FC236}">
-                <a16:creationId xmlns:a16="http://schemas.microsoft.com/office/drawing/2014/main" id="{8211AF97-3461-4980-8F89-9C4767224571}"/>
+                <a16:creationId xmlns="" xmlns:a16="http://schemas.microsoft.com/office/drawing/2014/main" id="{8211AF97-3461-4980-8F89-9C4767224571}"/>
               </a:ext>
             </a:extLst>
           </p:cNvPr>
@@ -3778,7 +3778,7 @@
           <p:cNvPr id="20" name="Group 19">
             <a:extLst>
               <a:ext uri="{FF2B5EF4-FFF2-40B4-BE49-F238E27FC236}">
-                <a16:creationId xmlns:a16="http://schemas.microsoft.com/office/drawing/2014/main" id="{2C27D458-5B0A-4A69-8DD8-72A144C87227}"/>
+                <a16:creationId xmlns="" xmlns:a16="http://schemas.microsoft.com/office/drawing/2014/main" id="{2C27D458-5B0A-4A69-8DD8-72A144C87227}"/>
               </a:ext>
             </a:extLst>
           </p:cNvPr>
@@ -3793,8 +3793,8 @@
             <a:chExt cx="521506" cy="520208"/>
           </a:xfrm>
         </p:grpSpPr>
-        <mc:AlternateContent xmlns:mc="http://schemas.openxmlformats.org/markup-compatibility/2006">
-          <mc:Choice xmlns:a14="http://schemas.microsoft.com/office/drawing/2010/main" Requires="a14">
+        <mc:AlternateContent xmlns:mc="http://schemas.openxmlformats.org/markup-compatibility/2006" xmlns:a14="http://schemas.microsoft.com/office/drawing/2010/main">
+          <mc:Choice Requires="a14">
             <p:sp>
               <p:nvSpPr>
                 <p:cNvPr id="25" name="TextBox 24"/>
@@ -3858,7 +3858,7 @@
               </p:txBody>
             </p:sp>
           </mc:Choice>
-          <mc:Fallback>
+          <mc:Fallback xmlns="">
             <p:sp>
               <p:nvSpPr>
                 <p:cNvPr id="25" name="TextBox 24"/>
@@ -3949,7 +3949,7 @@
           <p:cNvPr id="6" name="Group 5">
             <a:extLst>
               <a:ext uri="{FF2B5EF4-FFF2-40B4-BE49-F238E27FC236}">
-                <a16:creationId xmlns:a16="http://schemas.microsoft.com/office/drawing/2014/main" id="{837E156D-6261-4F05-9C04-73B2B50F92E5}"/>
+                <a16:creationId xmlns="" xmlns:a16="http://schemas.microsoft.com/office/drawing/2014/main" id="{837E156D-6261-4F05-9C04-73B2B50F92E5}"/>
               </a:ext>
             </a:extLst>
           </p:cNvPr>
@@ -3964,8 +3964,8 @@
             <a:chExt cx="510427" cy="498506"/>
           </a:xfrm>
         </p:grpSpPr>
-        <mc:AlternateContent xmlns:mc="http://schemas.openxmlformats.org/markup-compatibility/2006">
-          <mc:Choice xmlns:a14="http://schemas.microsoft.com/office/drawing/2010/main" Requires="a14">
+        <mc:AlternateContent xmlns:mc="http://schemas.openxmlformats.org/markup-compatibility/2006" xmlns:a14="http://schemas.microsoft.com/office/drawing/2010/main">
+          <mc:Choice Requires="a14">
             <p:sp>
               <p:nvSpPr>
                 <p:cNvPr id="24" name="TextBox 23"/>
@@ -4009,7 +4009,7 @@
               </p:txBody>
             </p:sp>
           </mc:Choice>
-          <mc:Fallback>
+          <mc:Fallback xmlns="">
             <p:sp>
               <p:nvSpPr>
                 <p:cNvPr id="24" name="TextBox 23"/>
@@ -4102,7 +4102,7 @@
               <p:cNvPr id="2" name="TextBox 1">
                 <a:extLst>
                   <a:ext uri="{FF2B5EF4-FFF2-40B4-BE49-F238E27FC236}">
-                    <a16:creationId xmlns:a16="http://schemas.microsoft.com/office/drawing/2014/main" id="{A33A1D76-85A3-48B4-A8C4-DE631FF9D81E}"/>
+                    <a16:creationId xmlns="" xmlns:a16="http://schemas.microsoft.com/office/drawing/2014/main" id="{A33A1D76-85A3-48B4-A8C4-DE631FF9D81E}"/>
                   </a:ext>
                 </a:extLst>
               </p:cNvPr>
@@ -4125,7 +4125,6 @@
               </a:bodyPr>
               <a:lstStyle/>
               <a:p>
-                <a:pPr/>
                 <a14:m>
                   <m:oMath xmlns:m="http://schemas.openxmlformats.org/officeDocument/2006/math">
                     <m:sSub>
@@ -4167,7 +4166,6 @@
                 </a:r>
               </a:p>
               <a:p>
-                <a:pPr/>
                 <a14:m>
                   <m:oMath xmlns:m="http://schemas.openxmlformats.org/officeDocument/2006/math">
                     <m:sSub>
@@ -4209,7 +4207,6 @@
                 </a:r>
               </a:p>
               <a:p>
-                <a:pPr/>
                 <a:r>
                   <a:rPr lang="en-US" dirty="0"/>
                   <a:t>r = Genome-wide recombination rate</a:t>
@@ -4222,7 +4219,6 @@
                 </a:r>
               </a:p>
               <a:p>
-                <a:pPr/>
                 <a14:m>
                   <m:oMath xmlns:m="http://schemas.openxmlformats.org/officeDocument/2006/math">
                     <m:r>
@@ -4245,7 +4241,6 @@
                 </a:r>
               </a:p>
               <a:p>
-                <a:pPr/>
                 <a14:m>
                   <m:oMath xmlns:m="http://schemas.openxmlformats.org/officeDocument/2006/math">
                     <m:r>
@@ -4282,7 +4277,6 @@
                 </a:r>
               </a:p>
               <a:p>
-                <a:pPr/>
                 <a14:m>
                   <m:oMath xmlns:m="http://schemas.openxmlformats.org/officeDocument/2006/math">
                     <m:sSub>
@@ -4336,14 +4330,12 @@
                 </a:r>
               </a:p>
               <a:p>
-                <a:pPr/>
                 <a:r>
                   <a:rPr lang="en-US" dirty="0"/>
                   <a:t>n = Number of QTLs</a:t>
                 </a:r>
               </a:p>
               <a:p>
-                <a:pPr/>
                 <a14:m>
                   <m:oMath xmlns:m="http://schemas.openxmlformats.org/officeDocument/2006/math">
                     <m:r>
@@ -4356,11 +4348,26 @@
                 </a14:m>
                 <a:r>
                   <a:rPr lang="en-US" dirty="0"/>
-                  <a:t> = Locus evolvability</a:t>
+                  <a:t> = </a:t>
                 </a:r>
+                <a:r>
+                  <a:rPr lang="en-US" dirty="0" smtClean="0"/>
+                  <a:t>Substitution rate</a:t>
+                </a:r>
+                <a:endParaRPr lang="en-US" dirty="0" smtClean="0"/>
               </a:p>
               <a:p>
-                <a:pPr/>
+                <a:r>
+                  <a:rPr lang="en-US" dirty="0" smtClean="0"/>
+                  <a:t>g = genome </a:t>
+                </a:r>
+                <a:r>
+                  <a:rPr lang="en-US" smtClean="0"/>
+                  <a:t>conservation state </a:t>
+                </a:r>
+                <a:endParaRPr lang="en-US" dirty="0"/>
+              </a:p>
+              <a:p>
                 <a14:m>
                   <m:oMath xmlns:m="http://schemas.openxmlformats.org/officeDocument/2006/math">
                     <m:r>
@@ -4454,7 +4461,7 @@
               <p:cNvPr id="2" name="TextBox 1">
                 <a:extLst>
                   <a:ext uri="{FF2B5EF4-FFF2-40B4-BE49-F238E27FC236}">
-                    <a16:creationId xmlns:a16="http://schemas.microsoft.com/office/drawing/2014/main" id="{A33A1D76-85A3-48B4-A8C4-DE631FF9D81E}"/>
+                    <a16:creationId xmlns="" xmlns:a16="http://schemas.microsoft.com/office/drawing/2014/main" xmlns:a14="http://schemas.microsoft.com/office/drawing/2010/main" id="{A33A1D76-85A3-48B4-A8C4-DE631FF9D81E}"/>
                   </a:ext>
                 </a:extLst>
               </p:cNvPr>
@@ -4471,7 +4478,7 @@
               <a:prstGeom prst="rect">
                 <a:avLst/>
               </a:prstGeom>
-              <a:blipFill>
+              <a:blipFill rotWithShape="0">
                 <a:blip r:embed="rId6"/>
                 <a:stretch>
                   <a:fillRect l="-1196" t="-417"/>
@@ -4483,7 +4490,7 @@
               <a:lstStyle/>
               <a:p>
                 <a:r>
-                  <a:rPr lang="en-US">
+                  <a:rPr lang="en-AU">
                     <a:noFill/>
                   </a:rPr>
                   <a:t> </a:t>
@@ -4498,7 +4505,7 @@
           <p:cNvPr id="31" name="Group 30">
             <a:extLst>
               <a:ext uri="{FF2B5EF4-FFF2-40B4-BE49-F238E27FC236}">
-                <a16:creationId xmlns:a16="http://schemas.microsoft.com/office/drawing/2014/main" id="{E980A310-B0D1-4F6F-9233-D267FD39FEF3}"/>
+                <a16:creationId xmlns="" xmlns:a16="http://schemas.microsoft.com/office/drawing/2014/main" id="{E980A310-B0D1-4F6F-9233-D267FD39FEF3}"/>
               </a:ext>
             </a:extLst>
           </p:cNvPr>
@@ -4513,14 +4520,14 @@
             <a:chExt cx="811670" cy="778485"/>
           </a:xfrm>
         </p:grpSpPr>
-        <mc:AlternateContent xmlns:mc="http://schemas.openxmlformats.org/markup-compatibility/2006">
-          <mc:Choice xmlns:a14="http://schemas.microsoft.com/office/drawing/2010/main" Requires="a14">
+        <mc:AlternateContent xmlns:mc="http://schemas.openxmlformats.org/markup-compatibility/2006" xmlns:a14="http://schemas.microsoft.com/office/drawing/2010/main">
+          <mc:Choice Requires="a14">
             <p:sp>
               <p:nvSpPr>
                 <p:cNvPr id="3" name="TextBox 2">
                   <a:extLst>
                     <a:ext uri="{FF2B5EF4-FFF2-40B4-BE49-F238E27FC236}">
-                      <a16:creationId xmlns:a16="http://schemas.microsoft.com/office/drawing/2014/main" id="{DB62D4AA-24E5-4071-A213-BC0EDF855F5E}"/>
+                      <a16:creationId xmlns="" xmlns:a16="http://schemas.microsoft.com/office/drawing/2014/main" id="{DB62D4AA-24E5-4071-A213-BC0EDF855F5E}"/>
                     </a:ext>
                   </a:extLst>
                 </p:cNvPr>
@@ -4543,6 +4550,7 @@
                 </a:bodyPr>
                 <a:lstStyle/>
                 <a:p>
+                  <a:pPr/>
                   <a14:m>
                     <m:oMathPara xmlns:m="http://schemas.openxmlformats.org/officeDocument/2006/math">
                       <m:oMathParaPr>
@@ -4594,7 +4602,7 @@
               </p:txBody>
             </p:sp>
           </mc:Choice>
-          <mc:Fallback>
+          <mc:Fallback xmlns="">
             <p:sp>
               <p:nvSpPr>
                 <p:cNvPr id="3" name="TextBox 2">
@@ -4644,7 +4652,7 @@
             <p:cNvPr id="29" name="Oval 28">
               <a:extLst>
                 <a:ext uri="{FF2B5EF4-FFF2-40B4-BE49-F238E27FC236}">
-                  <a16:creationId xmlns:a16="http://schemas.microsoft.com/office/drawing/2014/main" id="{54D46D11-9DC8-4AA2-93BC-22C1D97DDA4B}"/>
+                  <a16:creationId xmlns="" xmlns:a16="http://schemas.microsoft.com/office/drawing/2014/main" id="{54D46D11-9DC8-4AA2-93BC-22C1D97DDA4B}"/>
                 </a:ext>
               </a:extLst>
             </p:cNvPr>
@@ -4697,7 +4705,7 @@
           <p:cNvPr id="33" name="Group 32">
             <a:extLst>
               <a:ext uri="{FF2B5EF4-FFF2-40B4-BE49-F238E27FC236}">
-                <a16:creationId xmlns:a16="http://schemas.microsoft.com/office/drawing/2014/main" id="{D8F016C3-B9CA-46D0-8A4D-67FC653F7455}"/>
+                <a16:creationId xmlns="" xmlns:a16="http://schemas.microsoft.com/office/drawing/2014/main" id="{D8F016C3-B9CA-46D0-8A4D-67FC653F7455}"/>
               </a:ext>
             </a:extLst>
           </p:cNvPr>
@@ -4712,14 +4720,14 @@
             <a:chExt cx="510427" cy="489558"/>
           </a:xfrm>
         </p:grpSpPr>
-        <mc:AlternateContent xmlns:mc="http://schemas.openxmlformats.org/markup-compatibility/2006">
-          <mc:Choice xmlns:a14="http://schemas.microsoft.com/office/drawing/2010/main" Requires="a14">
+        <mc:AlternateContent xmlns:mc="http://schemas.openxmlformats.org/markup-compatibility/2006" xmlns:a14="http://schemas.microsoft.com/office/drawing/2010/main">
+          <mc:Choice Requires="a14">
             <p:sp>
               <p:nvSpPr>
                 <p:cNvPr id="34" name="TextBox 33">
                   <a:extLst>
                     <a:ext uri="{FF2B5EF4-FFF2-40B4-BE49-F238E27FC236}">
-                      <a16:creationId xmlns:a16="http://schemas.microsoft.com/office/drawing/2014/main" id="{2481E8E0-6BDA-4685-AEEB-FCA156ADF988}"/>
+                      <a16:creationId xmlns="" xmlns:a16="http://schemas.microsoft.com/office/drawing/2014/main" id="{2481E8E0-6BDA-4685-AEEB-FCA156ADF988}"/>
                     </a:ext>
                   </a:extLst>
                 </p:cNvPr>
@@ -4742,6 +4750,7 @@
                 </a:bodyPr>
                 <a:lstStyle/>
                 <a:p>
+                  <a:pPr/>
                   <a14:m>
                     <m:oMathPara xmlns:m="http://schemas.openxmlformats.org/officeDocument/2006/math">
                       <m:oMathParaPr>
@@ -4769,7 +4778,7 @@
               </p:txBody>
             </p:sp>
           </mc:Choice>
-          <mc:Fallback>
+          <mc:Fallback xmlns="">
             <p:sp>
               <p:nvSpPr>
                 <p:cNvPr id="34" name="TextBox 33">
@@ -4819,7 +4828,7 @@
             <p:cNvPr id="35" name="Oval 34">
               <a:extLst>
                 <a:ext uri="{FF2B5EF4-FFF2-40B4-BE49-F238E27FC236}">
-                  <a16:creationId xmlns:a16="http://schemas.microsoft.com/office/drawing/2014/main" id="{13D2650F-0E93-40DA-8862-785B2E3430E8}"/>
+                  <a16:creationId xmlns="" xmlns:a16="http://schemas.microsoft.com/office/drawing/2014/main" id="{13D2650F-0E93-40DA-8862-785B2E3430E8}"/>
                 </a:ext>
               </a:extLst>
             </p:cNvPr>
@@ -4872,7 +4881,7 @@
           <p:cNvPr id="36" name="Group 35">
             <a:extLst>
               <a:ext uri="{FF2B5EF4-FFF2-40B4-BE49-F238E27FC236}">
-                <a16:creationId xmlns:a16="http://schemas.microsoft.com/office/drawing/2014/main" id="{12D3E218-6582-41A8-B255-C7DE317FB274}"/>
+                <a16:creationId xmlns="" xmlns:a16="http://schemas.microsoft.com/office/drawing/2014/main" id="{12D3E218-6582-41A8-B255-C7DE317FB274}"/>
               </a:ext>
             </a:extLst>
           </p:cNvPr>
@@ -4881,20 +4890,20 @@
         </p:nvGrpSpPr>
         <p:grpSpPr>
           <a:xfrm>
-            <a:off x="3223930" y="1763788"/>
+            <a:off x="311592" y="6222457"/>
             <a:ext cx="510427" cy="489558"/>
             <a:chOff x="3808895" y="1507583"/>
             <a:chExt cx="510427" cy="489558"/>
           </a:xfrm>
         </p:grpSpPr>
-        <mc:AlternateContent xmlns:mc="http://schemas.openxmlformats.org/markup-compatibility/2006">
-          <mc:Choice xmlns:a14="http://schemas.microsoft.com/office/drawing/2010/main" Requires="a14">
+        <mc:AlternateContent xmlns:mc="http://schemas.openxmlformats.org/markup-compatibility/2006" xmlns:a14="http://schemas.microsoft.com/office/drawing/2010/main">
+          <mc:Choice Requires="a14">
             <p:sp>
               <p:nvSpPr>
                 <p:cNvPr id="37" name="TextBox 36">
                   <a:extLst>
                     <a:ext uri="{FF2B5EF4-FFF2-40B4-BE49-F238E27FC236}">
-                      <a16:creationId xmlns:a16="http://schemas.microsoft.com/office/drawing/2014/main" id="{853B7569-6A47-41F7-BA48-DC1BB419BBA6}"/>
+                      <a16:creationId xmlns="" xmlns:a16="http://schemas.microsoft.com/office/drawing/2014/main" id="{853B7569-6A47-41F7-BA48-DC1BB419BBA6}"/>
                     </a:ext>
                   </a:extLst>
                 </p:cNvPr>
@@ -4917,6 +4926,7 @@
                 </a:bodyPr>
                 <a:lstStyle/>
                 <a:p>
+                  <a:pPr/>
                   <a14:m>
                     <m:oMathPara xmlns:m="http://schemas.openxmlformats.org/officeDocument/2006/math">
                       <m:oMathParaPr>
@@ -4944,7 +4954,7 @@
               </p:txBody>
             </p:sp>
           </mc:Choice>
-          <mc:Fallback>
+          <mc:Fallback xmlns="">
             <p:sp>
               <p:nvSpPr>
                 <p:cNvPr id="37" name="TextBox 36">
@@ -4994,10 +5004,195 @@
             <p:cNvPr id="38" name="Oval 37">
               <a:extLst>
                 <a:ext uri="{FF2B5EF4-FFF2-40B4-BE49-F238E27FC236}">
-                  <a16:creationId xmlns:a16="http://schemas.microsoft.com/office/drawing/2014/main" id="{CDA54D76-2949-4DFD-B38C-08EB5ED93BBE}"/>
+                  <a16:creationId xmlns="" xmlns:a16="http://schemas.microsoft.com/office/drawing/2014/main" id="{CDA54D76-2949-4DFD-B38C-08EB5ED93BBE}"/>
                 </a:ext>
               </a:extLst>
             </p:cNvPr>
+            <p:cNvSpPr/>
+            <p:nvPr/>
+          </p:nvSpPr>
+          <p:spPr>
+            <a:xfrm>
+              <a:off x="3808895" y="1507583"/>
+              <a:ext cx="510427" cy="489558"/>
+            </a:xfrm>
+            <a:prstGeom prst="ellipse">
+              <a:avLst/>
+            </a:prstGeom>
+            <a:noFill/>
+            <a:ln>
+              <a:solidFill>
+                <a:schemeClr val="tx1"/>
+              </a:solidFill>
+            </a:ln>
+          </p:spPr>
+          <p:style>
+            <a:lnRef idx="2">
+              <a:schemeClr val="accent1">
+                <a:shade val="50000"/>
+              </a:schemeClr>
+            </a:lnRef>
+            <a:fillRef idx="1">
+              <a:schemeClr val="accent1"/>
+            </a:fillRef>
+            <a:effectRef idx="0">
+              <a:schemeClr val="accent1"/>
+            </a:effectRef>
+            <a:fontRef idx="minor">
+              <a:schemeClr val="lt1"/>
+            </a:fontRef>
+          </p:style>
+          <p:txBody>
+            <a:bodyPr rtlCol="0" anchor="ctr"/>
+            <a:lstStyle/>
+            <a:p>
+              <a:pPr algn="ctr"/>
+              <a:endParaRPr lang="en-AU"/>
+            </a:p>
+          </p:txBody>
+        </p:sp>
+      </p:grpSp>
+      <p:sp>
+        <p:nvSpPr>
+          <p:cNvPr id="4" name="TextBox 3"/>
+          <p:cNvSpPr txBox="1"/>
+          <p:nvPr/>
+        </p:nvSpPr>
+        <p:spPr>
+          <a:xfrm>
+            <a:off x="231820" y="0"/>
+            <a:ext cx="7811173" cy="1477328"/>
+          </a:xfrm>
+          <a:prstGeom prst="rect">
+            <a:avLst/>
+          </a:prstGeom>
+          <a:noFill/>
+        </p:spPr>
+        <p:txBody>
+          <a:bodyPr wrap="square" rtlCol="0">
+            <a:spAutoFit/>
+          </a:bodyPr>
+          <a:lstStyle/>
+          <a:p>
+            <a:r>
+              <a:rPr lang="en-AU" dirty="0" smtClean="0"/>
+              <a:t>more vs less polymorphic genes with lambda</a:t>
+            </a:r>
+          </a:p>
+          <a:p>
+            <a:endParaRPr lang="en-AU" dirty="0"/>
+          </a:p>
+          <a:p>
+            <a:r>
+              <a:rPr lang="en-AU" dirty="0" smtClean="0"/>
+              <a:t>validate the model: neutral </a:t>
+            </a:r>
+            <a:r>
+              <a:rPr lang="en-AU" dirty="0" err="1" smtClean="0"/>
+              <a:t>evo</a:t>
+            </a:r>
+            <a:r>
+              <a:rPr lang="en-AU" dirty="0" smtClean="0"/>
+              <a:t> of quant gen should lead to pop gen expected results of neutral theory, just added up for each of the loci</a:t>
+            </a:r>
+          </a:p>
+          <a:p>
+            <a:endParaRPr lang="en-AU" dirty="0"/>
+          </a:p>
+        </p:txBody>
+      </p:sp>
+      <p:sp>
+        <p:nvSpPr>
+          <p:cNvPr id="15" name="TextBox 14"/>
+          <p:cNvSpPr txBox="1"/>
+          <p:nvPr/>
+        </p:nvSpPr>
+        <p:spPr>
+          <a:xfrm>
+            <a:off x="1106913" y="6222457"/>
+            <a:ext cx="3787094" cy="369332"/>
+          </a:xfrm>
+          <a:prstGeom prst="rect">
+            <a:avLst/>
+          </a:prstGeom>
+          <a:noFill/>
+        </p:spPr>
+        <p:txBody>
+          <a:bodyPr wrap="square" rtlCol="0">
+            <a:spAutoFit/>
+          </a:bodyPr>
+          <a:lstStyle/>
+          <a:p>
+            <a:r>
+              <a:rPr lang="en-AU" dirty="0" smtClean="0"/>
+              <a:t>estimated from the data</a:t>
+            </a:r>
+            <a:endParaRPr lang="en-AU" dirty="0"/>
+          </a:p>
+        </p:txBody>
+      </p:sp>
+      <p:grpSp>
+        <p:nvGrpSpPr>
+          <p:cNvPr id="39" name="Group 38">
+            <a:extLst>
+              <a:ext uri="{FF2B5EF4-FFF2-40B4-BE49-F238E27FC236}">
+                <a16:creationId xmlns="" xmlns:a16="http://schemas.microsoft.com/office/drawing/2014/main" id="{8211AF97-3461-4980-8F89-9C4767224571}"/>
+              </a:ext>
+            </a:extLst>
+          </p:cNvPr>
+          <p:cNvGrpSpPr/>
+          <p:nvPr/>
+        </p:nvGrpSpPr>
+        <p:grpSpPr>
+          <a:xfrm>
+            <a:off x="3343768" y="1730611"/>
+            <a:ext cx="510427" cy="527134"/>
+            <a:chOff x="3808895" y="1470007"/>
+            <a:chExt cx="510427" cy="527134"/>
+          </a:xfrm>
+        </p:grpSpPr>
+        <p:sp>
+          <p:nvSpPr>
+            <p:cNvPr id="40" name="TextBox 39"/>
+            <p:cNvSpPr txBox="1"/>
+            <p:nvPr/>
+          </p:nvSpPr>
+          <p:spPr>
+            <a:xfrm>
+              <a:off x="3881529" y="1470007"/>
+              <a:ext cx="372082" cy="461665"/>
+            </a:xfrm>
+            <a:prstGeom prst="rect">
+              <a:avLst/>
+            </a:prstGeom>
+            <a:noFill/>
+          </p:spPr>
+          <p:txBody>
+            <a:bodyPr wrap="square" rtlCol="0">
+              <a:spAutoFit/>
+            </a:bodyPr>
+            <a:lstStyle/>
+            <a:p>
+              <a:pPr algn="ctr"/>
+              <a:r>
+                <a:rPr lang="en-AU" sz="2400" dirty="0" smtClean="0">
+                  <a:solidFill>
+                    <a:schemeClr val="accent2"/>
+                  </a:solidFill>
+                </a:rPr>
+                <a:t>g</a:t>
+              </a:r>
+              <a:endParaRPr lang="en-AU" sz="2400" b="0" dirty="0">
+                <a:solidFill>
+                  <a:schemeClr val="accent2"/>
+                </a:solidFill>
+              </a:endParaRPr>
+            </a:p>
+          </p:txBody>
+        </p:sp>
+        <p:sp>
+          <p:nvSpPr>
+            <p:cNvPr id="41" name="Oval 40"/>
             <p:cNvSpPr/>
             <p:nvPr/>
           </p:nvSpPr>
